--- a/Lessons/Jaar 1/Lesson 0 - Game/Building a game.pptx
+++ b/Lessons/Jaar 1/Lesson 0 - Game/Building a game.pptx
@@ -5,29 +5,34 @@
     <p:sldMasterId id="2147483648" r:id="rId1"/>
   </p:sldMasterIdLst>
   <p:notesMasterIdLst>
-    <p:notesMasterId r:id="rId22"/>
+    <p:notesMasterId r:id="rId27"/>
   </p:notesMasterIdLst>
   <p:sldIdLst>
     <p:sldId id="265" r:id="rId2"/>
-    <p:sldId id="266" r:id="rId3"/>
-    <p:sldId id="280" r:id="rId4"/>
-    <p:sldId id="281" r:id="rId5"/>
-    <p:sldId id="282" r:id="rId6"/>
-    <p:sldId id="283" r:id="rId7"/>
-    <p:sldId id="284" r:id="rId8"/>
-    <p:sldId id="285" r:id="rId9"/>
-    <p:sldId id="287" r:id="rId10"/>
-    <p:sldId id="288" r:id="rId11"/>
-    <p:sldId id="289" r:id="rId12"/>
-    <p:sldId id="290" r:id="rId13"/>
-    <p:sldId id="291" r:id="rId14"/>
-    <p:sldId id="292" r:id="rId15"/>
-    <p:sldId id="293" r:id="rId16"/>
-    <p:sldId id="294" r:id="rId17"/>
-    <p:sldId id="295" r:id="rId18"/>
-    <p:sldId id="296" r:id="rId19"/>
-    <p:sldId id="297" r:id="rId20"/>
-    <p:sldId id="279" r:id="rId21"/>
+    <p:sldId id="301" r:id="rId3"/>
+    <p:sldId id="266" r:id="rId4"/>
+    <p:sldId id="280" r:id="rId5"/>
+    <p:sldId id="281" r:id="rId6"/>
+    <p:sldId id="282" r:id="rId7"/>
+    <p:sldId id="283" r:id="rId8"/>
+    <p:sldId id="284" r:id="rId9"/>
+    <p:sldId id="285" r:id="rId10"/>
+    <p:sldId id="287" r:id="rId11"/>
+    <p:sldId id="288" r:id="rId12"/>
+    <p:sldId id="289" r:id="rId13"/>
+    <p:sldId id="290" r:id="rId14"/>
+    <p:sldId id="291" r:id="rId15"/>
+    <p:sldId id="292" r:id="rId16"/>
+    <p:sldId id="293" r:id="rId17"/>
+    <p:sldId id="294" r:id="rId18"/>
+    <p:sldId id="295" r:id="rId19"/>
+    <p:sldId id="296" r:id="rId20"/>
+    <p:sldId id="297" r:id="rId21"/>
+    <p:sldId id="298" r:id="rId22"/>
+    <p:sldId id="300" r:id="rId23"/>
+    <p:sldId id="299" r:id="rId24"/>
+    <p:sldId id="302" r:id="rId25"/>
+    <p:sldId id="303" r:id="rId26"/>
   </p:sldIdLst>
   <p:sldSz cx="12192000" cy="6858000"/>
   <p:notesSz cx="6858000" cy="9144000"/>
@@ -216,7 +221,7 @@
           <a:p>
             <a:fld id="{26EBCD72-B10C-4D2C-969F-84B0F9BCA715}" type="datetimeFigureOut">
               <a:rPr lang="en-US" smtClean="0"/>
-              <a:t>1/15/2020</a:t>
+              <a:t>1/16/2020</a:t>
             </a:fld>
             <a:endParaRPr lang="en-US"/>
           </a:p>
@@ -633,7 +638,7 @@
           <a:p>
             <a:fld id="{EBF18990-9ED1-4587-AF85-F892573A75B6}" type="datetimeFigureOut">
               <a:rPr lang="en-US" smtClean="0"/>
-              <a:t>1/15/2020</a:t>
+              <a:t>1/16/2020</a:t>
             </a:fld>
             <a:endParaRPr lang="en-US"/>
           </a:p>
@@ -833,7 +838,7 @@
           <a:p>
             <a:fld id="{EBF18990-9ED1-4587-AF85-F892573A75B6}" type="datetimeFigureOut">
               <a:rPr lang="en-US" smtClean="0"/>
-              <a:t>1/15/2020</a:t>
+              <a:t>1/16/2020</a:t>
             </a:fld>
             <a:endParaRPr lang="en-US"/>
           </a:p>
@@ -1043,7 +1048,7 @@
           <a:p>
             <a:fld id="{EBF18990-9ED1-4587-AF85-F892573A75B6}" type="datetimeFigureOut">
               <a:rPr lang="en-US" smtClean="0"/>
-              <a:t>1/15/2020</a:t>
+              <a:t>1/16/2020</a:t>
             </a:fld>
             <a:endParaRPr lang="en-US"/>
           </a:p>
@@ -1405,7 +1410,7 @@
           <a:p>
             <a:fld id="{EBF18990-9ED1-4587-AF85-F892573A75B6}" type="datetimeFigureOut">
               <a:rPr lang="en-US" smtClean="0"/>
-              <a:t>1/15/2020</a:t>
+              <a:t>1/16/2020</a:t>
             </a:fld>
             <a:endParaRPr lang="en-US"/>
           </a:p>
@@ -1681,7 +1686,7 @@
           <a:p>
             <a:fld id="{EBF18990-9ED1-4587-AF85-F892573A75B6}" type="datetimeFigureOut">
               <a:rPr lang="en-US" smtClean="0"/>
-              <a:t>1/15/2020</a:t>
+              <a:t>1/16/2020</a:t>
             </a:fld>
             <a:endParaRPr lang="en-US"/>
           </a:p>
@@ -1949,7 +1954,7 @@
           <a:p>
             <a:fld id="{EBF18990-9ED1-4587-AF85-F892573A75B6}" type="datetimeFigureOut">
               <a:rPr lang="en-US" smtClean="0"/>
-              <a:t>1/15/2020</a:t>
+              <a:t>1/16/2020</a:t>
             </a:fld>
             <a:endParaRPr lang="en-US"/>
           </a:p>
@@ -2364,7 +2369,7 @@
           <a:p>
             <a:fld id="{EBF18990-9ED1-4587-AF85-F892573A75B6}" type="datetimeFigureOut">
               <a:rPr lang="en-US" smtClean="0"/>
-              <a:t>1/15/2020</a:t>
+              <a:t>1/16/2020</a:t>
             </a:fld>
             <a:endParaRPr lang="en-US"/>
           </a:p>
@@ -2506,7 +2511,7 @@
           <a:p>
             <a:fld id="{EBF18990-9ED1-4587-AF85-F892573A75B6}" type="datetimeFigureOut">
               <a:rPr lang="en-US" smtClean="0"/>
-              <a:t>1/15/2020</a:t>
+              <a:t>1/16/2020</a:t>
             </a:fld>
             <a:endParaRPr lang="en-US"/>
           </a:p>
@@ -2619,7 +2624,7 @@
           <a:p>
             <a:fld id="{EBF18990-9ED1-4587-AF85-F892573A75B6}" type="datetimeFigureOut">
               <a:rPr lang="en-US" smtClean="0"/>
-              <a:t>1/15/2020</a:t>
+              <a:t>1/16/2020</a:t>
             </a:fld>
             <a:endParaRPr lang="en-US"/>
           </a:p>
@@ -2932,7 +2937,7 @@
           <a:p>
             <a:fld id="{EBF18990-9ED1-4587-AF85-F892573A75B6}" type="datetimeFigureOut">
               <a:rPr lang="en-US" smtClean="0"/>
-              <a:t>1/15/2020</a:t>
+              <a:t>1/16/2020</a:t>
             </a:fld>
             <a:endParaRPr lang="en-US"/>
           </a:p>
@@ -3221,7 +3226,7 @@
           <a:p>
             <a:fld id="{EBF18990-9ED1-4587-AF85-F892573A75B6}" type="datetimeFigureOut">
               <a:rPr lang="en-US" smtClean="0"/>
-              <a:t>1/15/2020</a:t>
+              <a:t>1/16/2020</a:t>
             </a:fld>
             <a:endParaRPr lang="en-US"/>
           </a:p>
@@ -3464,7 +3469,7 @@
           <a:p>
             <a:fld id="{EBF18990-9ED1-4587-AF85-F892573A75B6}" type="datetimeFigureOut">
               <a:rPr lang="en-US" smtClean="0"/>
-              <a:t>1/15/2020</a:t>
+              <a:t>1/16/2020</a:t>
             </a:fld>
             <a:endParaRPr lang="en-US"/>
           </a:p>
@@ -4241,7 +4246,7 @@
         <p:spPr>
           <a:xfrm>
             <a:off x="1969651" y="5231155"/>
-            <a:ext cx="6749412" cy="1200329"/>
+            <a:ext cx="5998758" cy="830997"/>
           </a:xfrm>
           <a:prstGeom prst="rect">
             <a:avLst/>
@@ -4256,39 +4261,13 @@
           <a:p>
             <a:r>
               <a:rPr lang="en-US" sz="2400" dirty="0"/>
-              <a:t>No we want to move. If we press ‘D’ or ‘right arrow’, </a:t>
+              <a:t>No we want to move. If we press ‘right arrow’, </a:t>
             </a:r>
           </a:p>
           <a:p>
             <a:r>
               <a:rPr lang="en-US" sz="2400" dirty="0"/>
               <a:t>what should happen with Player?</a:t>
-            </a:r>
-          </a:p>
-          <a:p>
-            <a:r>
-              <a:rPr lang="en-US" sz="2400" dirty="0" err="1"/>
-              <a:t>Player.y</a:t>
-            </a:r>
-            <a:r>
-              <a:rPr lang="en-US" sz="2400" dirty="0"/>
-              <a:t> = </a:t>
-            </a:r>
-            <a:r>
-              <a:rPr lang="en-US" sz="2400" dirty="0" err="1"/>
-              <a:t>Player.y</a:t>
-            </a:r>
-            <a:r>
-              <a:rPr lang="en-US" sz="2400" dirty="0"/>
-              <a:t> + 1  ||  </a:t>
-            </a:r>
-            <a:r>
-              <a:rPr lang="en-US" sz="2400" dirty="0" err="1"/>
-              <a:t>Player.y</a:t>
-            </a:r>
-            <a:r>
-              <a:rPr lang="en-US" sz="2400" dirty="0"/>
-              <a:t> = 375 + 1</a:t>
             </a:r>
           </a:p>
         </p:txBody>
@@ -4342,7 +4321,7 @@
     </p:spTree>
     <p:extLst>
       <p:ext uri="{BB962C8B-B14F-4D97-AF65-F5344CB8AC3E}">
-        <p14:creationId xmlns:p14="http://schemas.microsoft.com/office/powerpoint/2010/main" val="1289474262"/>
+        <p14:creationId xmlns:p14="http://schemas.microsoft.com/office/powerpoint/2010/main" val="3554408814"/>
       </p:ext>
     </p:extLst>
   </p:cSld>
@@ -4592,7 +4571,7 @@
         <p:spPr>
           <a:xfrm>
             <a:off x="1969651" y="5231155"/>
-            <a:ext cx="4341701" cy="830997"/>
+            <a:ext cx="5998758" cy="1200329"/>
           </a:xfrm>
           <a:prstGeom prst="rect">
             <a:avLst/>
@@ -4607,7 +4586,7 @@
           <a:p>
             <a:r>
               <a:rPr lang="en-US" sz="2400" dirty="0"/>
-              <a:t>If we press ‘A’ or ‘left arrow’, </a:t>
+              <a:t>No we want to move. If we press ‘right arrow’, </a:t>
             </a:r>
           </a:p>
           <a:p>
@@ -4616,6 +4595,32 @@
               <a:t>what should happen with Player?</a:t>
             </a:r>
           </a:p>
+          <a:p>
+            <a:r>
+              <a:rPr lang="en-US" sz="2400" dirty="0" err="1"/>
+              <a:t>Player.y</a:t>
+            </a:r>
+            <a:r>
+              <a:rPr lang="en-US" sz="2400" dirty="0"/>
+              <a:t> = </a:t>
+            </a:r>
+            <a:r>
+              <a:rPr lang="en-US" sz="2400" dirty="0" err="1"/>
+              <a:t>Player.y</a:t>
+            </a:r>
+            <a:r>
+              <a:rPr lang="en-US" sz="2400" dirty="0"/>
+              <a:t> + 1  ||  </a:t>
+            </a:r>
+            <a:r>
+              <a:rPr lang="en-US" sz="2400" dirty="0" err="1"/>
+              <a:t>Player.y</a:t>
+            </a:r>
+            <a:r>
+              <a:rPr lang="en-US" sz="2400" dirty="0"/>
+              <a:t> = 375 + 1</a:t>
+            </a:r>
+          </a:p>
         </p:txBody>
       </p:sp>
       <p:sp>
@@ -4631,8 +4636,8 @@
           <p:nvPr/>
         </p:nvSpPr>
         <p:spPr>
-          <a:xfrm rot="10800000">
-            <a:off x="3855865" y="2223402"/>
+          <a:xfrm>
+            <a:off x="4918228" y="2223402"/>
             <a:ext cx="1177772" cy="226835"/>
           </a:xfrm>
           <a:prstGeom prst="rightArrow">
@@ -4667,7 +4672,7 @@
     </p:spTree>
     <p:extLst>
       <p:ext uri="{BB962C8B-B14F-4D97-AF65-F5344CB8AC3E}">
-        <p14:creationId xmlns:p14="http://schemas.microsoft.com/office/powerpoint/2010/main" val="2653319379"/>
+        <p14:creationId xmlns:p14="http://schemas.microsoft.com/office/powerpoint/2010/main" val="1289474262"/>
       </p:ext>
     </p:extLst>
   </p:cSld>
@@ -4917,7 +4922,7 @@
         <p:spPr>
           <a:xfrm>
             <a:off x="1969651" y="5231155"/>
-            <a:ext cx="5393912" cy="1200329"/>
+            <a:ext cx="4341701" cy="830997"/>
           </a:xfrm>
           <a:prstGeom prst="rect">
             <a:avLst/>
@@ -4932,7 +4937,7 @@
           <a:p>
             <a:r>
               <a:rPr lang="en-US" sz="2400" dirty="0"/>
-              <a:t>If we press ‘A’ or ‘left arrow’, </a:t>
+              <a:t>If we press ‘left arrow’, </a:t>
             </a:r>
           </a:p>
           <a:p>
@@ -4941,40 +4946,14 @@
               <a:t>what should happen with Player?</a:t>
             </a:r>
           </a:p>
-          <a:p>
-            <a:r>
-              <a:rPr lang="en-US" sz="2400" dirty="0" err="1"/>
-              <a:t>Player.y</a:t>
-            </a:r>
-            <a:r>
-              <a:rPr lang="en-US" sz="2400" dirty="0"/>
-              <a:t> = </a:t>
-            </a:r>
-            <a:r>
-              <a:rPr lang="en-US" sz="2400" dirty="0" err="1"/>
-              <a:t>Player.y</a:t>
-            </a:r>
-            <a:r>
-              <a:rPr lang="en-US" sz="2400" dirty="0"/>
-              <a:t> - 1  ||  </a:t>
-            </a:r>
-            <a:r>
-              <a:rPr lang="en-US" sz="2400" dirty="0" err="1"/>
-              <a:t>Player.y</a:t>
-            </a:r>
-            <a:r>
-              <a:rPr lang="en-US" sz="2400" dirty="0"/>
-              <a:t> = 375 - 1</a:t>
-            </a:r>
-          </a:p>
-        </p:txBody>
-      </p:sp>
-      <p:sp>
-        <p:nvSpPr>
-          <p:cNvPr id="9" name="Pijl: rechts 8">
-            <a:extLst>
-              <a:ext uri="{FF2B5EF4-FFF2-40B4-BE49-F238E27FC236}">
-                <a16:creationId xmlns:a16="http://schemas.microsoft.com/office/drawing/2014/main" id="{0B5E8AD9-D056-4237-ACF4-C1A0B95A8C59}"/>
+        </p:txBody>
+      </p:sp>
+      <p:sp>
+        <p:nvSpPr>
+          <p:cNvPr id="11" name="Pijl: rechts 10">
+            <a:extLst>
+              <a:ext uri="{FF2B5EF4-FFF2-40B4-BE49-F238E27FC236}">
+                <a16:creationId xmlns:a16="http://schemas.microsoft.com/office/drawing/2014/main" id="{2A68AC80-32A6-472C-99D1-FFC8049DA5D5}"/>
               </a:ext>
             </a:extLst>
           </p:cNvPr>
@@ -5018,7 +4997,7 @@
     </p:spTree>
     <p:extLst>
       <p:ext uri="{BB962C8B-B14F-4D97-AF65-F5344CB8AC3E}">
-        <p14:creationId xmlns:p14="http://schemas.microsoft.com/office/powerpoint/2010/main" val="2803243159"/>
+        <p14:creationId xmlns:p14="http://schemas.microsoft.com/office/powerpoint/2010/main" val="2653319379"/>
       </p:ext>
     </p:extLst>
   </p:cSld>
@@ -5268,7 +5247,7 @@
         <p:spPr>
           <a:xfrm>
             <a:off x="1969651" y="5231155"/>
-            <a:ext cx="4341701" cy="830997"/>
+            <a:ext cx="5393912" cy="1200329"/>
           </a:xfrm>
           <a:prstGeom prst="rect">
             <a:avLst/>
@@ -5283,7 +5262,7 @@
           <a:p>
             <a:r>
               <a:rPr lang="en-US" sz="2400" dirty="0"/>
-              <a:t>If we press ‘W’ or ‘up arrow’, </a:t>
+              <a:t>If we press ‘left arrow’, </a:t>
             </a:r>
           </a:p>
           <a:p>
@@ -5292,14 +5271,40 @@
               <a:t>what should happen with Player?</a:t>
             </a:r>
           </a:p>
-        </p:txBody>
-      </p:sp>
-      <p:sp>
-        <p:nvSpPr>
-          <p:cNvPr id="11" name="Pijl: rechts 10">
-            <a:extLst>
-              <a:ext uri="{FF2B5EF4-FFF2-40B4-BE49-F238E27FC236}">
-                <a16:creationId xmlns:a16="http://schemas.microsoft.com/office/drawing/2014/main" id="{2A68AC80-32A6-472C-99D1-FFC8049DA5D5}"/>
+          <a:p>
+            <a:r>
+              <a:rPr lang="en-US" sz="2400" dirty="0" err="1"/>
+              <a:t>Player.y</a:t>
+            </a:r>
+            <a:r>
+              <a:rPr lang="en-US" sz="2400" dirty="0"/>
+              <a:t> = </a:t>
+            </a:r>
+            <a:r>
+              <a:rPr lang="en-US" sz="2400" dirty="0" err="1"/>
+              <a:t>Player.y</a:t>
+            </a:r>
+            <a:r>
+              <a:rPr lang="en-US" sz="2400" dirty="0"/>
+              <a:t> - 1  ||  </a:t>
+            </a:r>
+            <a:r>
+              <a:rPr lang="en-US" sz="2400" dirty="0" err="1"/>
+              <a:t>Player.y</a:t>
+            </a:r>
+            <a:r>
+              <a:rPr lang="en-US" sz="2400" dirty="0"/>
+              <a:t> = 375 - 1</a:t>
+            </a:r>
+          </a:p>
+        </p:txBody>
+      </p:sp>
+      <p:sp>
+        <p:nvSpPr>
+          <p:cNvPr id="9" name="Pijl: rechts 8">
+            <a:extLst>
+              <a:ext uri="{FF2B5EF4-FFF2-40B4-BE49-F238E27FC236}">
+                <a16:creationId xmlns:a16="http://schemas.microsoft.com/office/drawing/2014/main" id="{0B5E8AD9-D056-4237-ACF4-C1A0B95A8C59}"/>
               </a:ext>
             </a:extLst>
           </p:cNvPr>
@@ -5307,8 +5312,8 @@
           <p:nvPr/>
         </p:nvSpPr>
         <p:spPr>
-          <a:xfrm rot="16200000">
-            <a:off x="4340212" y="1705764"/>
+          <a:xfrm rot="10800000">
+            <a:off x="3855865" y="2223402"/>
             <a:ext cx="1177772" cy="226835"/>
           </a:xfrm>
           <a:prstGeom prst="rightArrow">
@@ -5343,7 +5348,7 @@
     </p:spTree>
     <p:extLst>
       <p:ext uri="{BB962C8B-B14F-4D97-AF65-F5344CB8AC3E}">
-        <p14:creationId xmlns:p14="http://schemas.microsoft.com/office/powerpoint/2010/main" val="3359211708"/>
+        <p14:creationId xmlns:p14="http://schemas.microsoft.com/office/powerpoint/2010/main" val="2803243159"/>
       </p:ext>
     </p:extLst>
   </p:cSld>
@@ -5593,7 +5598,7 @@
         <p:spPr>
           <a:xfrm>
             <a:off x="1969651" y="5231155"/>
-            <a:ext cx="5527924" cy="1200329"/>
+            <a:ext cx="4341701" cy="830997"/>
           </a:xfrm>
           <a:prstGeom prst="rect">
             <a:avLst/>
@@ -5608,7 +5613,7 @@
           <a:p>
             <a:r>
               <a:rPr lang="en-US" sz="2400" dirty="0"/>
-              <a:t>If we press ‘W’ or ‘up arrow’, </a:t>
+              <a:t>If we press or ‘up arrow’, </a:t>
             </a:r>
           </a:p>
           <a:p>
@@ -5617,40 +5622,14 @@
               <a:t>what should happen with Player?</a:t>
             </a:r>
           </a:p>
-          <a:p>
-            <a:r>
-              <a:rPr lang="en-US" sz="2400" dirty="0" err="1"/>
-              <a:t>Player.x</a:t>
-            </a:r>
-            <a:r>
-              <a:rPr lang="en-US" sz="2400" dirty="0"/>
-              <a:t> = </a:t>
-            </a:r>
-            <a:r>
-              <a:rPr lang="en-US" sz="2400" dirty="0" err="1"/>
-              <a:t>Player.x</a:t>
-            </a:r>
-            <a:r>
-              <a:rPr lang="en-US" sz="2400" dirty="0"/>
-              <a:t> + 1  ||  </a:t>
-            </a:r>
-            <a:r>
-              <a:rPr lang="en-US" sz="2400" dirty="0" err="1"/>
-              <a:t>Player.x</a:t>
-            </a:r>
-            <a:r>
-              <a:rPr lang="en-US" sz="2400" dirty="0"/>
-              <a:t> = 275 + 1</a:t>
-            </a:r>
-          </a:p>
-        </p:txBody>
-      </p:sp>
-      <p:sp>
-        <p:nvSpPr>
-          <p:cNvPr id="9" name="Pijl: rechts 8">
-            <a:extLst>
-              <a:ext uri="{FF2B5EF4-FFF2-40B4-BE49-F238E27FC236}">
-                <a16:creationId xmlns:a16="http://schemas.microsoft.com/office/drawing/2014/main" id="{E76BA88E-B2C7-4480-A9ED-A089CEC5D871}"/>
+        </p:txBody>
+      </p:sp>
+      <p:sp>
+        <p:nvSpPr>
+          <p:cNvPr id="11" name="Pijl: rechts 10">
+            <a:extLst>
+              <a:ext uri="{FF2B5EF4-FFF2-40B4-BE49-F238E27FC236}">
+                <a16:creationId xmlns:a16="http://schemas.microsoft.com/office/drawing/2014/main" id="{2A68AC80-32A6-472C-99D1-FFC8049DA5D5}"/>
               </a:ext>
             </a:extLst>
           </p:cNvPr>
@@ -5694,7 +5673,7 @@
     </p:spTree>
     <p:extLst>
       <p:ext uri="{BB962C8B-B14F-4D97-AF65-F5344CB8AC3E}">
-        <p14:creationId xmlns:p14="http://schemas.microsoft.com/office/powerpoint/2010/main" val="4173975914"/>
+        <p14:creationId xmlns:p14="http://schemas.microsoft.com/office/powerpoint/2010/main" val="3359211708"/>
       </p:ext>
     </p:extLst>
   </p:cSld>
@@ -5944,7 +5923,7 @@
         <p:spPr>
           <a:xfrm>
             <a:off x="1969651" y="5231155"/>
-            <a:ext cx="4341701" cy="830997"/>
+            <a:ext cx="5527924" cy="1200329"/>
           </a:xfrm>
           <a:prstGeom prst="rect">
             <a:avLst/>
@@ -5959,7 +5938,7 @@
           <a:p>
             <a:r>
               <a:rPr lang="en-US" sz="2400" dirty="0"/>
-              <a:t>If we press ‘S’ or ‘down arrow’, </a:t>
+              <a:t>If we press ‘up arrow’, </a:t>
             </a:r>
           </a:p>
           <a:p>
@@ -5968,6 +5947,32 @@
               <a:t>what should happen with Player?</a:t>
             </a:r>
           </a:p>
+          <a:p>
+            <a:r>
+              <a:rPr lang="en-US" sz="2400" dirty="0" err="1"/>
+              <a:t>Player.x</a:t>
+            </a:r>
+            <a:r>
+              <a:rPr lang="en-US" sz="2400" dirty="0"/>
+              <a:t> = </a:t>
+            </a:r>
+            <a:r>
+              <a:rPr lang="en-US" sz="2400" dirty="0" err="1"/>
+              <a:t>Player.x</a:t>
+            </a:r>
+            <a:r>
+              <a:rPr lang="en-US" sz="2400" dirty="0"/>
+              <a:t> + 1  ||  </a:t>
+            </a:r>
+            <a:r>
+              <a:rPr lang="en-US" sz="2400" dirty="0" err="1"/>
+              <a:t>Player.x</a:t>
+            </a:r>
+            <a:r>
+              <a:rPr lang="en-US" sz="2400" dirty="0"/>
+              <a:t> = 275 + 1</a:t>
+            </a:r>
+          </a:p>
         </p:txBody>
       </p:sp>
       <p:sp>
@@ -5975,7 +5980,7 @@
           <p:cNvPr id="9" name="Pijl: rechts 8">
             <a:extLst>
               <a:ext uri="{FF2B5EF4-FFF2-40B4-BE49-F238E27FC236}">
-                <a16:creationId xmlns:a16="http://schemas.microsoft.com/office/drawing/2014/main" id="{9645B3CA-57E3-420C-8F98-24C87D74E040}"/>
+                <a16:creationId xmlns:a16="http://schemas.microsoft.com/office/drawing/2014/main" id="{E76BA88E-B2C7-4480-A9ED-A089CEC5D871}"/>
               </a:ext>
             </a:extLst>
           </p:cNvPr>
@@ -5983,8 +5988,8 @@
           <p:nvPr/>
         </p:nvSpPr>
         <p:spPr>
-          <a:xfrm rot="5400000">
-            <a:off x="4340209" y="2803637"/>
+          <a:xfrm rot="16200000">
+            <a:off x="4340212" y="1705764"/>
             <a:ext cx="1177772" cy="226835"/>
           </a:xfrm>
           <a:prstGeom prst="rightArrow">
@@ -6019,7 +6024,7 @@
     </p:spTree>
     <p:extLst>
       <p:ext uri="{BB962C8B-B14F-4D97-AF65-F5344CB8AC3E}">
-        <p14:creationId xmlns:p14="http://schemas.microsoft.com/office/powerpoint/2010/main" val="3562995139"/>
+        <p14:creationId xmlns:p14="http://schemas.microsoft.com/office/powerpoint/2010/main" val="4173975914"/>
       </p:ext>
     </p:extLst>
   </p:cSld>
@@ -6269,7 +6274,7 @@
         <p:spPr>
           <a:xfrm>
             <a:off x="1969651" y="5231155"/>
-            <a:ext cx="5409301" cy="1200329"/>
+            <a:ext cx="4341701" cy="830997"/>
           </a:xfrm>
           <a:prstGeom prst="rect">
             <a:avLst/>
@@ -6284,7 +6289,7 @@
           <a:p>
             <a:r>
               <a:rPr lang="en-US" sz="2400" dirty="0"/>
-              <a:t>If we press ‘S’ or ‘down arrow’, </a:t>
+              <a:t>If we press ‘down arrow’, </a:t>
             </a:r>
           </a:p>
           <a:p>
@@ -6293,32 +6298,6 @@
               <a:t>what should happen with Player?</a:t>
             </a:r>
           </a:p>
-          <a:p>
-            <a:r>
-              <a:rPr lang="en-US" sz="2400" dirty="0" err="1"/>
-              <a:t>Player.x</a:t>
-            </a:r>
-            <a:r>
-              <a:rPr lang="en-US" sz="2400" dirty="0"/>
-              <a:t> = </a:t>
-            </a:r>
-            <a:r>
-              <a:rPr lang="en-US" sz="2400" dirty="0" err="1"/>
-              <a:t>Player.x</a:t>
-            </a:r>
-            <a:r>
-              <a:rPr lang="en-US" sz="2400" dirty="0"/>
-              <a:t> - 1  ||  </a:t>
-            </a:r>
-            <a:r>
-              <a:rPr lang="en-US" sz="2400" dirty="0" err="1"/>
-              <a:t>Player.x</a:t>
-            </a:r>
-            <a:r>
-              <a:rPr lang="en-US" sz="2400" dirty="0"/>
-              <a:t> = 275 - 1</a:t>
-            </a:r>
-          </a:p>
         </p:txBody>
       </p:sp>
       <p:sp>
@@ -6326,7 +6305,7 @@
           <p:cNvPr id="9" name="Pijl: rechts 8">
             <a:extLst>
               <a:ext uri="{FF2B5EF4-FFF2-40B4-BE49-F238E27FC236}">
-                <a16:creationId xmlns:a16="http://schemas.microsoft.com/office/drawing/2014/main" id="{0B5E8AD9-D056-4237-ACF4-C1A0B95A8C59}"/>
+                <a16:creationId xmlns:a16="http://schemas.microsoft.com/office/drawing/2014/main" id="{9645B3CA-57E3-420C-8F98-24C87D74E040}"/>
               </a:ext>
             </a:extLst>
           </p:cNvPr>
@@ -6370,7 +6349,7 @@
     </p:spTree>
     <p:extLst>
       <p:ext uri="{BB962C8B-B14F-4D97-AF65-F5344CB8AC3E}">
-        <p14:creationId xmlns:p14="http://schemas.microsoft.com/office/powerpoint/2010/main" val="3481307991"/>
+        <p14:creationId xmlns:p14="http://schemas.microsoft.com/office/powerpoint/2010/main" val="3562995139"/>
       </p:ext>
     </p:extLst>
   </p:cSld>
@@ -6620,7 +6599,7 @@
         <p:spPr>
           <a:xfrm>
             <a:off x="1969651" y="5231155"/>
-            <a:ext cx="5934958" cy="461665"/>
+            <a:ext cx="5409301" cy="1200329"/>
           </a:xfrm>
           <a:prstGeom prst="rect">
             <a:avLst/>
@@ -6635,7 +6614,358 @@
           <a:p>
             <a:r>
               <a:rPr lang="en-US" sz="2400" dirty="0"/>
-              <a:t>If we hold ‘S’ the block will keep moving down</a:t>
+              <a:t>If we press ‘down arrow’, </a:t>
+            </a:r>
+          </a:p>
+          <a:p>
+            <a:r>
+              <a:rPr lang="en-US" sz="2400" dirty="0"/>
+              <a:t>what should happen with Player?</a:t>
+            </a:r>
+          </a:p>
+          <a:p>
+            <a:r>
+              <a:rPr lang="en-US" sz="2400" dirty="0" err="1"/>
+              <a:t>Player.x</a:t>
+            </a:r>
+            <a:r>
+              <a:rPr lang="en-US" sz="2400" dirty="0"/>
+              <a:t> = </a:t>
+            </a:r>
+            <a:r>
+              <a:rPr lang="en-US" sz="2400" dirty="0" err="1"/>
+              <a:t>Player.x</a:t>
+            </a:r>
+            <a:r>
+              <a:rPr lang="en-US" sz="2400" dirty="0"/>
+              <a:t> - 1  ||  </a:t>
+            </a:r>
+            <a:r>
+              <a:rPr lang="en-US" sz="2400" dirty="0" err="1"/>
+              <a:t>Player.x</a:t>
+            </a:r>
+            <a:r>
+              <a:rPr lang="en-US" sz="2400" dirty="0"/>
+              <a:t> = 275 - 1</a:t>
+            </a:r>
+          </a:p>
+        </p:txBody>
+      </p:sp>
+      <p:sp>
+        <p:nvSpPr>
+          <p:cNvPr id="9" name="Pijl: rechts 8">
+            <a:extLst>
+              <a:ext uri="{FF2B5EF4-FFF2-40B4-BE49-F238E27FC236}">
+                <a16:creationId xmlns:a16="http://schemas.microsoft.com/office/drawing/2014/main" id="{0B5E8AD9-D056-4237-ACF4-C1A0B95A8C59}"/>
+              </a:ext>
+            </a:extLst>
+          </p:cNvPr>
+          <p:cNvSpPr/>
+          <p:nvPr/>
+        </p:nvSpPr>
+        <p:spPr>
+          <a:xfrm rot="5400000">
+            <a:off x="4340209" y="2803637"/>
+            <a:ext cx="1177772" cy="226835"/>
+          </a:xfrm>
+          <a:prstGeom prst="rightArrow">
+            <a:avLst/>
+          </a:prstGeom>
+        </p:spPr>
+        <p:style>
+          <a:lnRef idx="2">
+            <a:schemeClr val="accent1">
+              <a:shade val="50000"/>
+            </a:schemeClr>
+          </a:lnRef>
+          <a:fillRef idx="1">
+            <a:schemeClr val="accent1"/>
+          </a:fillRef>
+          <a:effectRef idx="0">
+            <a:schemeClr val="accent1"/>
+          </a:effectRef>
+          <a:fontRef idx="minor">
+            <a:schemeClr val="lt1"/>
+          </a:fontRef>
+        </p:style>
+        <p:txBody>
+          <a:bodyPr rtlCol="0" anchor="ctr"/>
+          <a:lstStyle/>
+          <a:p>
+            <a:pPr algn="ctr"/>
+            <a:endParaRPr lang="en-US"/>
+          </a:p>
+        </p:txBody>
+      </p:sp>
+    </p:spTree>
+    <p:extLst>
+      <p:ext uri="{BB962C8B-B14F-4D97-AF65-F5344CB8AC3E}">
+        <p14:creationId xmlns:p14="http://schemas.microsoft.com/office/powerpoint/2010/main" val="3481307991"/>
+      </p:ext>
+    </p:extLst>
+  </p:cSld>
+  <p:clrMapOvr>
+    <a:masterClrMapping/>
+  </p:clrMapOvr>
+</p:sld>
+</file>
+
+<file path=ppt/slides/slide18.xml><?xml version="1.0" encoding="utf-8"?>
+<p:sld xmlns:a="http://schemas.openxmlformats.org/drawingml/2006/main" xmlns:r="http://schemas.openxmlformats.org/officeDocument/2006/relationships" xmlns:p="http://schemas.openxmlformats.org/presentationml/2006/main">
+  <p:cSld>
+    <p:spTree>
+      <p:nvGrpSpPr>
+        <p:cNvPr id="1" name=""/>
+        <p:cNvGrpSpPr/>
+        <p:nvPr/>
+      </p:nvGrpSpPr>
+      <p:grpSpPr>
+        <a:xfrm>
+          <a:off x="0" y="0"/>
+          <a:ext cx="0" cy="0"/>
+          <a:chOff x="0" y="0"/>
+          <a:chExt cx="0" cy="0"/>
+        </a:xfrm>
+      </p:grpSpPr>
+      <p:sp>
+        <p:nvSpPr>
+          <p:cNvPr id="4" name="Rechthoek 3">
+            <a:extLst>
+              <a:ext uri="{FF2B5EF4-FFF2-40B4-BE49-F238E27FC236}">
+                <a16:creationId xmlns:a16="http://schemas.microsoft.com/office/drawing/2014/main" id="{A5B833BD-2B36-467E-91C9-35A08D5ADA1E}"/>
+              </a:ext>
+            </a:extLst>
+          </p:cNvPr>
+          <p:cNvSpPr/>
+          <p:nvPr/>
+        </p:nvSpPr>
+        <p:spPr>
+          <a:xfrm>
+            <a:off x="1402671" y="228600"/>
+            <a:ext cx="7261934" cy="4358936"/>
+          </a:xfrm>
+          <a:prstGeom prst="rect">
+            <a:avLst/>
+          </a:prstGeom>
+          <a:solidFill>
+            <a:schemeClr val="tx1"/>
+          </a:solidFill>
+        </p:spPr>
+        <p:style>
+          <a:lnRef idx="2">
+            <a:schemeClr val="accent1">
+              <a:shade val="50000"/>
+            </a:schemeClr>
+          </a:lnRef>
+          <a:fillRef idx="1">
+            <a:schemeClr val="accent1"/>
+          </a:fillRef>
+          <a:effectRef idx="0">
+            <a:schemeClr val="accent1"/>
+          </a:effectRef>
+          <a:fontRef idx="minor">
+            <a:schemeClr val="lt1"/>
+          </a:fontRef>
+        </p:style>
+        <p:txBody>
+          <a:bodyPr rtlCol="0" anchor="ctr"/>
+          <a:lstStyle/>
+          <a:p>
+            <a:pPr algn="ctr"/>
+            <a:endParaRPr lang="en-US"/>
+          </a:p>
+        </p:txBody>
+      </p:sp>
+      <p:sp>
+        <p:nvSpPr>
+          <p:cNvPr id="6" name="Tekstvak 5">
+            <a:extLst>
+              <a:ext uri="{FF2B5EF4-FFF2-40B4-BE49-F238E27FC236}">
+                <a16:creationId xmlns:a16="http://schemas.microsoft.com/office/drawing/2014/main" id="{C5DC41FC-5314-41AC-AC39-65079A9306AA}"/>
+              </a:ext>
+            </a:extLst>
+          </p:cNvPr>
+          <p:cNvSpPr txBox="1"/>
+          <p:nvPr/>
+        </p:nvSpPr>
+        <p:spPr>
+          <a:xfrm>
+            <a:off x="4599063" y="4689830"/>
+            <a:ext cx="869149" cy="369332"/>
+          </a:xfrm>
+          <a:prstGeom prst="rect">
+            <a:avLst/>
+          </a:prstGeom>
+          <a:noFill/>
+        </p:spPr>
+        <p:txBody>
+          <a:bodyPr wrap="none" rtlCol="0">
+            <a:spAutoFit/>
+          </a:bodyPr>
+          <a:lstStyle/>
+          <a:p>
+            <a:r>
+              <a:rPr lang="en-US" dirty="0"/>
+              <a:t>Y = 800</a:t>
+            </a:r>
+          </a:p>
+        </p:txBody>
+      </p:sp>
+      <p:sp>
+        <p:nvSpPr>
+          <p:cNvPr id="7" name="Tekstvak 6">
+            <a:extLst>
+              <a:ext uri="{FF2B5EF4-FFF2-40B4-BE49-F238E27FC236}">
+                <a16:creationId xmlns:a16="http://schemas.microsoft.com/office/drawing/2014/main" id="{F4157EF1-91D2-4D94-966B-98D59CB43F3E}"/>
+              </a:ext>
+            </a:extLst>
+          </p:cNvPr>
+          <p:cNvSpPr txBox="1"/>
+          <p:nvPr/>
+        </p:nvSpPr>
+        <p:spPr>
+          <a:xfrm>
+            <a:off x="525508" y="2223402"/>
+            <a:ext cx="877163" cy="369332"/>
+          </a:xfrm>
+          <a:prstGeom prst="rect">
+            <a:avLst/>
+          </a:prstGeom>
+          <a:noFill/>
+        </p:spPr>
+        <p:txBody>
+          <a:bodyPr wrap="none" rtlCol="0">
+            <a:spAutoFit/>
+          </a:bodyPr>
+          <a:lstStyle/>
+          <a:p>
+            <a:r>
+              <a:rPr lang="en-US" dirty="0"/>
+              <a:t>X = 600</a:t>
+            </a:r>
+          </a:p>
+        </p:txBody>
+      </p:sp>
+      <p:sp>
+        <p:nvSpPr>
+          <p:cNvPr id="2" name="Rechthoek 1">
+            <a:extLst>
+              <a:ext uri="{FF2B5EF4-FFF2-40B4-BE49-F238E27FC236}">
+                <a16:creationId xmlns:a16="http://schemas.microsoft.com/office/drawing/2014/main" id="{72D8658A-BBED-43DA-A30B-66B3AF1810F9}"/>
+              </a:ext>
+            </a:extLst>
+          </p:cNvPr>
+          <p:cNvSpPr/>
+          <p:nvPr/>
+        </p:nvSpPr>
+        <p:spPr>
+          <a:xfrm>
+            <a:off x="4492100" y="1941989"/>
+            <a:ext cx="852257" cy="772358"/>
+          </a:xfrm>
+          <a:prstGeom prst="rect">
+            <a:avLst/>
+          </a:prstGeom>
+          <a:solidFill>
+            <a:srgbClr val="00B050"/>
+          </a:solidFill>
+          <a:ln>
+            <a:solidFill>
+              <a:srgbClr val="00B050"/>
+            </a:solidFill>
+          </a:ln>
+        </p:spPr>
+        <p:style>
+          <a:lnRef idx="2">
+            <a:schemeClr val="accent1">
+              <a:shade val="50000"/>
+            </a:schemeClr>
+          </a:lnRef>
+          <a:fillRef idx="1">
+            <a:schemeClr val="accent1"/>
+          </a:fillRef>
+          <a:effectRef idx="0">
+            <a:schemeClr val="accent1"/>
+          </a:effectRef>
+          <a:fontRef idx="minor">
+            <a:schemeClr val="lt1"/>
+          </a:fontRef>
+        </p:style>
+        <p:txBody>
+          <a:bodyPr rtlCol="0" anchor="ctr"/>
+          <a:lstStyle/>
+          <a:p>
+            <a:pPr algn="ctr"/>
+            <a:endParaRPr lang="en-US" dirty="0"/>
+          </a:p>
+        </p:txBody>
+      </p:sp>
+      <p:sp>
+        <p:nvSpPr>
+          <p:cNvPr id="3" name="Tekstvak 2">
+            <a:extLst>
+              <a:ext uri="{FF2B5EF4-FFF2-40B4-BE49-F238E27FC236}">
+                <a16:creationId xmlns:a16="http://schemas.microsoft.com/office/drawing/2014/main" id="{7AD950DB-ED39-4166-8641-C8EA568FD0D2}"/>
+              </a:ext>
+            </a:extLst>
+          </p:cNvPr>
+          <p:cNvSpPr txBox="1"/>
+          <p:nvPr/>
+        </p:nvSpPr>
+        <p:spPr>
+          <a:xfrm>
+            <a:off x="9408823" y="834527"/>
+            <a:ext cx="2440220" cy="461665"/>
+          </a:xfrm>
+          <a:prstGeom prst="rect">
+            <a:avLst/>
+          </a:prstGeom>
+          <a:noFill/>
+        </p:spPr>
+        <p:txBody>
+          <a:bodyPr wrap="none" rtlCol="0">
+            <a:spAutoFit/>
+          </a:bodyPr>
+          <a:lstStyle/>
+          <a:p>
+            <a:r>
+              <a:rPr lang="en-US" sz="2400" dirty="0"/>
+              <a:t>Player = (275,375)</a:t>
+            </a:r>
+          </a:p>
+        </p:txBody>
+      </p:sp>
+      <p:sp>
+        <p:nvSpPr>
+          <p:cNvPr id="8" name="Tekstvak 7">
+            <a:extLst>
+              <a:ext uri="{FF2B5EF4-FFF2-40B4-BE49-F238E27FC236}">
+                <a16:creationId xmlns:a16="http://schemas.microsoft.com/office/drawing/2014/main" id="{7A25126D-4ED5-4C54-82B6-3DC1F78465A1}"/>
+              </a:ext>
+            </a:extLst>
+          </p:cNvPr>
+          <p:cNvSpPr txBox="1"/>
+          <p:nvPr/>
+        </p:nvSpPr>
+        <p:spPr>
+          <a:xfrm>
+            <a:off x="1969651" y="5231155"/>
+            <a:ext cx="7301742" cy="461665"/>
+          </a:xfrm>
+          <a:prstGeom prst="rect">
+            <a:avLst/>
+          </a:prstGeom>
+          <a:noFill/>
+        </p:spPr>
+        <p:txBody>
+          <a:bodyPr wrap="none" rtlCol="0">
+            <a:spAutoFit/>
+          </a:bodyPr>
+          <a:lstStyle/>
+          <a:p>
+            <a:r>
+              <a:rPr lang="en-US" sz="2400" dirty="0"/>
+              <a:t>If we hold ‘down arrow’ the block will keep moving down</a:t>
             </a:r>
           </a:p>
         </p:txBody>
@@ -6789,7 +7119,7 @@
 </p:sld>
 </file>
 
-<file path=ppt/slides/slide18.xml><?xml version="1.0" encoding="utf-8"?>
+<file path=ppt/slides/slide19.xml><?xml version="1.0" encoding="utf-8"?>
 <p:sld xmlns:a="http://schemas.openxmlformats.org/drawingml/2006/main" xmlns:r="http://schemas.openxmlformats.org/officeDocument/2006/relationships" xmlns:p="http://schemas.openxmlformats.org/presentationml/2006/main">
   <p:cSld>
     <p:spTree>
@@ -7029,7 +7359,7 @@
         <p:spPr>
           <a:xfrm>
             <a:off x="1969651" y="5231155"/>
-            <a:ext cx="5934958" cy="461665"/>
+            <a:ext cx="7301742" cy="461665"/>
           </a:xfrm>
           <a:prstGeom prst="rect">
             <a:avLst/>
@@ -7044,7 +7374,7 @@
           <a:p>
             <a:r>
               <a:rPr lang="en-US" sz="2400" dirty="0"/>
-              <a:t>If we hold ‘S’ the block will keep moving down</a:t>
+              <a:t>If we hold ‘down arrow’ the block will keep moving down</a:t>
             </a:r>
           </a:p>
         </p:txBody>
@@ -7198,314 +7528,6 @@
 </p:sld>
 </file>
 
-<file path=ppt/slides/slide19.xml><?xml version="1.0" encoding="utf-8"?>
-<p:sld xmlns:a="http://schemas.openxmlformats.org/drawingml/2006/main" xmlns:r="http://schemas.openxmlformats.org/officeDocument/2006/relationships" xmlns:p="http://schemas.openxmlformats.org/presentationml/2006/main">
-  <p:cSld>
-    <p:spTree>
-      <p:nvGrpSpPr>
-        <p:cNvPr id="1" name=""/>
-        <p:cNvGrpSpPr/>
-        <p:nvPr/>
-      </p:nvGrpSpPr>
-      <p:grpSpPr>
-        <a:xfrm>
-          <a:off x="0" y="0"/>
-          <a:ext cx="0" cy="0"/>
-          <a:chOff x="0" y="0"/>
-          <a:chExt cx="0" cy="0"/>
-        </a:xfrm>
-      </p:grpSpPr>
-      <p:sp>
-        <p:nvSpPr>
-          <p:cNvPr id="4" name="Rechthoek 3">
-            <a:extLst>
-              <a:ext uri="{FF2B5EF4-FFF2-40B4-BE49-F238E27FC236}">
-                <a16:creationId xmlns:a16="http://schemas.microsoft.com/office/drawing/2014/main" id="{A5B833BD-2B36-467E-91C9-35A08D5ADA1E}"/>
-              </a:ext>
-            </a:extLst>
-          </p:cNvPr>
-          <p:cNvSpPr/>
-          <p:nvPr/>
-        </p:nvSpPr>
-        <p:spPr>
-          <a:xfrm>
-            <a:off x="1402671" y="228600"/>
-            <a:ext cx="7261934" cy="4358936"/>
-          </a:xfrm>
-          <a:prstGeom prst="rect">
-            <a:avLst/>
-          </a:prstGeom>
-          <a:solidFill>
-            <a:schemeClr val="tx1"/>
-          </a:solidFill>
-        </p:spPr>
-        <p:style>
-          <a:lnRef idx="2">
-            <a:schemeClr val="accent1">
-              <a:shade val="50000"/>
-            </a:schemeClr>
-          </a:lnRef>
-          <a:fillRef idx="1">
-            <a:schemeClr val="accent1"/>
-          </a:fillRef>
-          <a:effectRef idx="0">
-            <a:schemeClr val="accent1"/>
-          </a:effectRef>
-          <a:fontRef idx="minor">
-            <a:schemeClr val="lt1"/>
-          </a:fontRef>
-        </p:style>
-        <p:txBody>
-          <a:bodyPr rtlCol="0" anchor="ctr"/>
-          <a:lstStyle/>
-          <a:p>
-            <a:pPr algn="ctr"/>
-            <a:endParaRPr lang="en-US"/>
-          </a:p>
-        </p:txBody>
-      </p:sp>
-      <p:sp>
-        <p:nvSpPr>
-          <p:cNvPr id="6" name="Tekstvak 5">
-            <a:extLst>
-              <a:ext uri="{FF2B5EF4-FFF2-40B4-BE49-F238E27FC236}">
-                <a16:creationId xmlns:a16="http://schemas.microsoft.com/office/drawing/2014/main" id="{C5DC41FC-5314-41AC-AC39-65079A9306AA}"/>
-              </a:ext>
-            </a:extLst>
-          </p:cNvPr>
-          <p:cNvSpPr txBox="1"/>
-          <p:nvPr/>
-        </p:nvSpPr>
-        <p:spPr>
-          <a:xfrm>
-            <a:off x="4599063" y="4689830"/>
-            <a:ext cx="869149" cy="369332"/>
-          </a:xfrm>
-          <a:prstGeom prst="rect">
-            <a:avLst/>
-          </a:prstGeom>
-          <a:noFill/>
-        </p:spPr>
-        <p:txBody>
-          <a:bodyPr wrap="none" rtlCol="0">
-            <a:spAutoFit/>
-          </a:bodyPr>
-          <a:lstStyle/>
-          <a:p>
-            <a:r>
-              <a:rPr lang="en-US" dirty="0"/>
-              <a:t>Y = 800</a:t>
-            </a:r>
-          </a:p>
-        </p:txBody>
-      </p:sp>
-      <p:sp>
-        <p:nvSpPr>
-          <p:cNvPr id="7" name="Tekstvak 6">
-            <a:extLst>
-              <a:ext uri="{FF2B5EF4-FFF2-40B4-BE49-F238E27FC236}">
-                <a16:creationId xmlns:a16="http://schemas.microsoft.com/office/drawing/2014/main" id="{F4157EF1-91D2-4D94-966B-98D59CB43F3E}"/>
-              </a:ext>
-            </a:extLst>
-          </p:cNvPr>
-          <p:cNvSpPr txBox="1"/>
-          <p:nvPr/>
-        </p:nvSpPr>
-        <p:spPr>
-          <a:xfrm>
-            <a:off x="525508" y="2223402"/>
-            <a:ext cx="877163" cy="369332"/>
-          </a:xfrm>
-          <a:prstGeom prst="rect">
-            <a:avLst/>
-          </a:prstGeom>
-          <a:noFill/>
-        </p:spPr>
-        <p:txBody>
-          <a:bodyPr wrap="none" rtlCol="0">
-            <a:spAutoFit/>
-          </a:bodyPr>
-          <a:lstStyle/>
-          <a:p>
-            <a:r>
-              <a:rPr lang="en-US" dirty="0"/>
-              <a:t>X = 600</a:t>
-            </a:r>
-          </a:p>
-        </p:txBody>
-      </p:sp>
-      <p:sp>
-        <p:nvSpPr>
-          <p:cNvPr id="2" name="Rechthoek 1">
-            <a:extLst>
-              <a:ext uri="{FF2B5EF4-FFF2-40B4-BE49-F238E27FC236}">
-                <a16:creationId xmlns:a16="http://schemas.microsoft.com/office/drawing/2014/main" id="{72D8658A-BBED-43DA-A30B-66B3AF1810F9}"/>
-              </a:ext>
-            </a:extLst>
-          </p:cNvPr>
-          <p:cNvSpPr/>
-          <p:nvPr/>
-        </p:nvSpPr>
-        <p:spPr>
-          <a:xfrm>
-            <a:off x="4492100" y="1941989"/>
-            <a:ext cx="852257" cy="772358"/>
-          </a:xfrm>
-          <a:prstGeom prst="rect">
-            <a:avLst/>
-          </a:prstGeom>
-          <a:solidFill>
-            <a:srgbClr val="00B050"/>
-          </a:solidFill>
-          <a:ln>
-            <a:solidFill>
-              <a:srgbClr val="00B050"/>
-            </a:solidFill>
-          </a:ln>
-        </p:spPr>
-        <p:style>
-          <a:lnRef idx="2">
-            <a:schemeClr val="accent1">
-              <a:shade val="50000"/>
-            </a:schemeClr>
-          </a:lnRef>
-          <a:fillRef idx="1">
-            <a:schemeClr val="accent1"/>
-          </a:fillRef>
-          <a:effectRef idx="0">
-            <a:schemeClr val="accent1"/>
-          </a:effectRef>
-          <a:fontRef idx="minor">
-            <a:schemeClr val="lt1"/>
-          </a:fontRef>
-        </p:style>
-        <p:txBody>
-          <a:bodyPr rtlCol="0" anchor="ctr"/>
-          <a:lstStyle/>
-          <a:p>
-            <a:pPr algn="ctr"/>
-            <a:endParaRPr lang="en-US" dirty="0"/>
-          </a:p>
-        </p:txBody>
-      </p:sp>
-      <p:sp>
-        <p:nvSpPr>
-          <p:cNvPr id="3" name="Tekstvak 2">
-            <a:extLst>
-              <a:ext uri="{FF2B5EF4-FFF2-40B4-BE49-F238E27FC236}">
-                <a16:creationId xmlns:a16="http://schemas.microsoft.com/office/drawing/2014/main" id="{7AD950DB-ED39-4166-8641-C8EA568FD0D2}"/>
-              </a:ext>
-            </a:extLst>
-          </p:cNvPr>
-          <p:cNvSpPr txBox="1"/>
-          <p:nvPr/>
-        </p:nvSpPr>
-        <p:spPr>
-          <a:xfrm>
-            <a:off x="9408823" y="834527"/>
-            <a:ext cx="2440220" cy="461665"/>
-          </a:xfrm>
-          <a:prstGeom prst="rect">
-            <a:avLst/>
-          </a:prstGeom>
-          <a:noFill/>
-        </p:spPr>
-        <p:txBody>
-          <a:bodyPr wrap="none" rtlCol="0">
-            <a:spAutoFit/>
-          </a:bodyPr>
-          <a:lstStyle/>
-          <a:p>
-            <a:r>
-              <a:rPr lang="en-US" sz="2400" dirty="0"/>
-              <a:t>Player = (275,375)</a:t>
-            </a:r>
-          </a:p>
-        </p:txBody>
-      </p:sp>
-      <p:sp>
-        <p:nvSpPr>
-          <p:cNvPr id="8" name="Tekstvak 7">
-            <a:extLst>
-              <a:ext uri="{FF2B5EF4-FFF2-40B4-BE49-F238E27FC236}">
-                <a16:creationId xmlns:a16="http://schemas.microsoft.com/office/drawing/2014/main" id="{7A25126D-4ED5-4C54-82B6-3DC1F78465A1}"/>
-              </a:ext>
-            </a:extLst>
-          </p:cNvPr>
-          <p:cNvSpPr txBox="1"/>
-          <p:nvPr/>
-        </p:nvSpPr>
-        <p:spPr>
-          <a:xfrm>
-            <a:off x="1969651" y="5231155"/>
-            <a:ext cx="5756641" cy="461665"/>
-          </a:xfrm>
-          <a:prstGeom prst="rect">
-            <a:avLst/>
-          </a:prstGeom>
-          <a:noFill/>
-        </p:spPr>
-        <p:txBody>
-          <a:bodyPr wrap="none" rtlCol="0">
-            <a:spAutoFit/>
-          </a:bodyPr>
-          <a:lstStyle/>
-          <a:p>
-            <a:r>
-              <a:rPr lang="en-US" sz="2400" dirty="0"/>
-              <a:t>No do the same for top, left and right border</a:t>
-            </a:r>
-          </a:p>
-        </p:txBody>
-      </p:sp>
-      <p:sp>
-        <p:nvSpPr>
-          <p:cNvPr id="5" name="Tekstvak 4">
-            <a:extLst>
-              <a:ext uri="{FF2B5EF4-FFF2-40B4-BE49-F238E27FC236}">
-                <a16:creationId xmlns:a16="http://schemas.microsoft.com/office/drawing/2014/main" id="{1A344E58-D7BC-4F60-871C-6BBF8391865E}"/>
-              </a:ext>
-            </a:extLst>
-          </p:cNvPr>
-          <p:cNvSpPr txBox="1"/>
-          <p:nvPr/>
-        </p:nvSpPr>
-        <p:spPr>
-          <a:xfrm>
-            <a:off x="2359722" y="5972438"/>
-            <a:ext cx="5155450" cy="461665"/>
-          </a:xfrm>
-          <a:prstGeom prst="rect">
-            <a:avLst/>
-          </a:prstGeom>
-          <a:noFill/>
-        </p:spPr>
-        <p:txBody>
-          <a:bodyPr wrap="none" rtlCol="0">
-            <a:spAutoFit/>
-          </a:bodyPr>
-          <a:lstStyle/>
-          <a:p>
-            <a:r>
-              <a:rPr lang="en-US" sz="2400" dirty="0"/>
-              <a:t>So how do we make it stop at the edge?</a:t>
-            </a:r>
-          </a:p>
-        </p:txBody>
-      </p:sp>
-    </p:spTree>
-    <p:extLst>
-      <p:ext uri="{BB962C8B-B14F-4D97-AF65-F5344CB8AC3E}">
-        <p14:creationId xmlns:p14="http://schemas.microsoft.com/office/powerpoint/2010/main" val="3858402583"/>
-      </p:ext>
-    </p:extLst>
-  </p:cSld>
-  <p:clrMapOvr>
-    <a:masterClrMapping/>
-  </p:clrMapOvr>
-</p:sld>
-</file>
-
 <file path=ppt/slides/slide2.xml><?xml version="1.0" encoding="utf-8"?>
 <p:sld xmlns:a="http://schemas.openxmlformats.org/drawingml/2006/main" xmlns:r="http://schemas.openxmlformats.org/officeDocument/2006/relationships" xmlns:p="http://schemas.openxmlformats.org/presentationml/2006/main">
   <p:cSld>
@@ -7553,45 +7575,95 @@
               <a:rPr lang="en-US" dirty="0">
                 <a:latin typeface="+mj-lt"/>
               </a:rPr>
-              <a:t>Example</a:t>
-            </a:r>
-          </a:p>
-        </p:txBody>
-      </p:sp>
-      <p:pic>
-        <p:nvPicPr>
-          <p:cNvPr id="5" name="Afbeelding 4">
-            <a:extLst>
-              <a:ext uri="{FF2B5EF4-FFF2-40B4-BE49-F238E27FC236}">
-                <a16:creationId xmlns:a16="http://schemas.microsoft.com/office/drawing/2014/main" id="{8679ABDF-0B9E-4E02-8B83-D70550EE668C}"/>
-              </a:ext>
-            </a:extLst>
-          </p:cNvPr>
-          <p:cNvPicPr>
-            <a:picLocks noChangeAspect="1"/>
-          </p:cNvPicPr>
-          <p:nvPr/>
-        </p:nvPicPr>
-        <p:blipFill>
-          <a:blip r:embed="rId2"/>
-          <a:stretch>
-            <a:fillRect/>
-          </a:stretch>
-        </p:blipFill>
-        <p:spPr>
-          <a:xfrm>
-            <a:off x="2195512" y="1690688"/>
-            <a:ext cx="7800975" cy="3438525"/>
-          </a:xfrm>
-          <a:prstGeom prst="rect">
-            <a:avLst/>
-          </a:prstGeom>
-        </p:spPr>
-      </p:pic>
+              <a:t>Purpose</a:t>
+            </a:r>
+          </a:p>
+        </p:txBody>
+      </p:sp>
+      <p:sp>
+        <p:nvSpPr>
+          <p:cNvPr id="2" name="Tekstvak 1">
+            <a:extLst>
+              <a:ext uri="{FF2B5EF4-FFF2-40B4-BE49-F238E27FC236}">
+                <a16:creationId xmlns:a16="http://schemas.microsoft.com/office/drawing/2014/main" id="{3DC3D85E-C421-451F-99D9-A95FB9684CC2}"/>
+              </a:ext>
+            </a:extLst>
+          </p:cNvPr>
+          <p:cNvSpPr txBox="1"/>
+          <p:nvPr/>
+        </p:nvSpPr>
+        <p:spPr>
+          <a:xfrm>
+            <a:off x="838200" y="1690688"/>
+            <a:ext cx="4799263" cy="1200329"/>
+          </a:xfrm>
+          <a:prstGeom prst="rect">
+            <a:avLst/>
+          </a:prstGeom>
+          <a:noFill/>
+        </p:spPr>
+        <p:txBody>
+          <a:bodyPr wrap="none" rtlCol="0">
+            <a:spAutoFit/>
+          </a:bodyPr>
+          <a:lstStyle/>
+          <a:p>
+            <a:pPr marL="285750" indent="-285750">
+              <a:buFont typeface="Arial" panose="020B0604020202020204" pitchFamily="34" charset="0"/>
+              <a:buChar char="•"/>
+            </a:pPr>
+            <a:r>
+              <a:rPr lang="nl-NL" sz="2400" dirty="0" err="1"/>
+              <a:t>Recognizing</a:t>
+            </a:r>
+            <a:r>
+              <a:rPr lang="nl-NL" sz="2400" dirty="0"/>
+              <a:t> logic in code</a:t>
+            </a:r>
+          </a:p>
+          <a:p>
+            <a:pPr marL="285750" indent="-285750">
+              <a:buFont typeface="Arial" panose="020B0604020202020204" pitchFamily="34" charset="0"/>
+              <a:buChar char="•"/>
+            </a:pPr>
+            <a:r>
+              <a:rPr lang="nl-NL" sz="2400" dirty="0" err="1"/>
+              <a:t>To</a:t>
+            </a:r>
+            <a:r>
+              <a:rPr lang="nl-NL" sz="2400" dirty="0"/>
+              <a:t> combine logic </a:t>
+            </a:r>
+            <a:r>
+              <a:rPr lang="nl-NL" sz="2400" dirty="0" err="1"/>
+              <a:t>with</a:t>
+            </a:r>
+            <a:r>
+              <a:rPr lang="nl-NL" sz="2400" dirty="0"/>
+              <a:t> </a:t>
+            </a:r>
+            <a:r>
+              <a:rPr lang="nl-NL" sz="2400" dirty="0" err="1"/>
+              <a:t>writing</a:t>
+            </a:r>
+            <a:r>
+              <a:rPr lang="nl-NL" sz="2400" dirty="0"/>
+              <a:t> code</a:t>
+            </a:r>
+          </a:p>
+          <a:p>
+            <a:pPr marL="285750" indent="-285750">
+              <a:buFont typeface="Arial" panose="020B0604020202020204" pitchFamily="34" charset="0"/>
+              <a:buChar char="•"/>
+            </a:pPr>
+            <a:endParaRPr lang="nl-NL" sz="2400" dirty="0"/>
+          </a:p>
+        </p:txBody>
+      </p:sp>
     </p:spTree>
     <p:extLst>
       <p:ext uri="{BB962C8B-B14F-4D97-AF65-F5344CB8AC3E}">
-        <p14:creationId xmlns:p14="http://schemas.microsoft.com/office/powerpoint/2010/main" val="2993747941"/>
+        <p14:creationId xmlns:p14="http://schemas.microsoft.com/office/powerpoint/2010/main" val="3321349655"/>
       </p:ext>
     </p:extLst>
   </p:cSld>
@@ -7620,207 +7692,2006 @@
       </p:grpSpPr>
       <p:sp>
         <p:nvSpPr>
-          <p:cNvPr id="4" name="Tijdelijke aanduiding voor inhoud 2">
-            <a:extLst>
-              <a:ext uri="{FF2B5EF4-FFF2-40B4-BE49-F238E27FC236}">
-                <a16:creationId xmlns:a16="http://schemas.microsoft.com/office/drawing/2014/main" id="{DAFA2BF8-03DA-4833-A8C7-253038A569DC}"/>
-              </a:ext>
-            </a:extLst>
-          </p:cNvPr>
-          <p:cNvSpPr txBox="1">
-            <a:spLocks/>
-          </p:cNvSpPr>
-          <p:nvPr/>
-        </p:nvSpPr>
-        <p:spPr>
-          <a:xfrm>
-            <a:off x="838200" y="1825625"/>
-            <a:ext cx="10515600" cy="4351338"/>
-          </a:xfrm>
-          <a:prstGeom prst="rect">
-            <a:avLst/>
-          </a:prstGeom>
-        </p:spPr>
-        <p:txBody>
-          <a:bodyPr/>
-          <a:lstStyle>
-            <a:lvl1pPr marL="228600" indent="-228600" algn="l" defTabSz="914400" rtl="0" eaLnBrk="1" latinLnBrk="0" hangingPunct="1">
-              <a:lnSpc>
-                <a:spcPct val="90000"/>
-              </a:lnSpc>
-              <a:spcBef>
-                <a:spcPts val="1000"/>
-              </a:spcBef>
-              <a:buFont typeface="Arial" panose="020B0604020202020204" pitchFamily="34" charset="0"/>
-              <a:buChar char="•"/>
-              <a:defRPr sz="2800" kern="1200">
-                <a:solidFill>
-                  <a:schemeClr val="tx1"/>
-                </a:solidFill>
-                <a:latin typeface="+mn-lt"/>
-                <a:ea typeface="+mn-ea"/>
-                <a:cs typeface="+mn-cs"/>
-              </a:defRPr>
-            </a:lvl1pPr>
-            <a:lvl2pPr marL="685800" indent="-228600" algn="l" defTabSz="914400" rtl="0" eaLnBrk="1" latinLnBrk="0" hangingPunct="1">
-              <a:lnSpc>
-                <a:spcPct val="90000"/>
-              </a:lnSpc>
-              <a:spcBef>
-                <a:spcPts val="500"/>
-              </a:spcBef>
-              <a:buFont typeface="Arial" panose="020B0604020202020204" pitchFamily="34" charset="0"/>
-              <a:buChar char="•"/>
-              <a:defRPr sz="2400" kern="1200">
-                <a:solidFill>
-                  <a:schemeClr val="tx1"/>
-                </a:solidFill>
-                <a:latin typeface="+mn-lt"/>
-                <a:ea typeface="+mn-ea"/>
-                <a:cs typeface="+mn-cs"/>
-              </a:defRPr>
-            </a:lvl2pPr>
-            <a:lvl3pPr marL="1143000" indent="-228600" algn="l" defTabSz="914400" rtl="0" eaLnBrk="1" latinLnBrk="0" hangingPunct="1">
-              <a:lnSpc>
-                <a:spcPct val="90000"/>
-              </a:lnSpc>
-              <a:spcBef>
-                <a:spcPts val="500"/>
-              </a:spcBef>
-              <a:buFont typeface="Arial" panose="020B0604020202020204" pitchFamily="34" charset="0"/>
-              <a:buChar char="•"/>
-              <a:defRPr sz="2000" kern="1200">
-                <a:solidFill>
-                  <a:schemeClr val="tx1"/>
-                </a:solidFill>
-                <a:latin typeface="+mn-lt"/>
-                <a:ea typeface="+mn-ea"/>
-                <a:cs typeface="+mn-cs"/>
-              </a:defRPr>
-            </a:lvl3pPr>
-            <a:lvl4pPr marL="1600200" indent="-228600" algn="l" defTabSz="914400" rtl="0" eaLnBrk="1" latinLnBrk="0" hangingPunct="1">
-              <a:lnSpc>
-                <a:spcPct val="90000"/>
-              </a:lnSpc>
-              <a:spcBef>
-                <a:spcPts val="500"/>
-              </a:spcBef>
-              <a:buFont typeface="Arial" panose="020B0604020202020204" pitchFamily="34" charset="0"/>
-              <a:buChar char="•"/>
-              <a:defRPr sz="1800" kern="1200">
-                <a:solidFill>
-                  <a:schemeClr val="tx1"/>
-                </a:solidFill>
-                <a:latin typeface="+mn-lt"/>
-                <a:ea typeface="+mn-ea"/>
-                <a:cs typeface="+mn-cs"/>
-              </a:defRPr>
-            </a:lvl4pPr>
-            <a:lvl5pPr marL="2057400" indent="-228600" algn="l" defTabSz="914400" rtl="0" eaLnBrk="1" latinLnBrk="0" hangingPunct="1">
-              <a:lnSpc>
-                <a:spcPct val="90000"/>
-              </a:lnSpc>
-              <a:spcBef>
-                <a:spcPts val="500"/>
-              </a:spcBef>
-              <a:buFont typeface="Arial" panose="020B0604020202020204" pitchFamily="34" charset="0"/>
-              <a:buChar char="•"/>
-              <a:defRPr sz="1800" kern="1200">
-                <a:solidFill>
-                  <a:schemeClr val="tx1"/>
-                </a:solidFill>
-                <a:latin typeface="+mn-lt"/>
-                <a:ea typeface="+mn-ea"/>
-                <a:cs typeface="+mn-cs"/>
-              </a:defRPr>
-            </a:lvl5pPr>
-            <a:lvl6pPr marL="2514600" indent="-228600" algn="l" defTabSz="914400" rtl="0" eaLnBrk="1" latinLnBrk="0" hangingPunct="1">
-              <a:lnSpc>
-                <a:spcPct val="90000"/>
-              </a:lnSpc>
-              <a:spcBef>
-                <a:spcPts val="500"/>
-              </a:spcBef>
-              <a:buFont typeface="Arial" panose="020B0604020202020204" pitchFamily="34" charset="0"/>
-              <a:buChar char="•"/>
-              <a:defRPr sz="1800" kern="1200">
-                <a:solidFill>
-                  <a:schemeClr val="tx1"/>
-                </a:solidFill>
-                <a:latin typeface="+mn-lt"/>
-                <a:ea typeface="+mn-ea"/>
-                <a:cs typeface="+mn-cs"/>
-              </a:defRPr>
-            </a:lvl6pPr>
-            <a:lvl7pPr marL="2971800" indent="-228600" algn="l" defTabSz="914400" rtl="0" eaLnBrk="1" latinLnBrk="0" hangingPunct="1">
-              <a:lnSpc>
-                <a:spcPct val="90000"/>
-              </a:lnSpc>
-              <a:spcBef>
-                <a:spcPts val="500"/>
-              </a:spcBef>
-              <a:buFont typeface="Arial" panose="020B0604020202020204" pitchFamily="34" charset="0"/>
-              <a:buChar char="•"/>
-              <a:defRPr sz="1800" kern="1200">
-                <a:solidFill>
-                  <a:schemeClr val="tx1"/>
-                </a:solidFill>
-                <a:latin typeface="+mn-lt"/>
-                <a:ea typeface="+mn-ea"/>
-                <a:cs typeface="+mn-cs"/>
-              </a:defRPr>
-            </a:lvl7pPr>
-            <a:lvl8pPr marL="3429000" indent="-228600" algn="l" defTabSz="914400" rtl="0" eaLnBrk="1" latinLnBrk="0" hangingPunct="1">
-              <a:lnSpc>
-                <a:spcPct val="90000"/>
-              </a:lnSpc>
-              <a:spcBef>
-                <a:spcPts val="500"/>
-              </a:spcBef>
-              <a:buFont typeface="Arial" panose="020B0604020202020204" pitchFamily="34" charset="0"/>
-              <a:buChar char="•"/>
-              <a:defRPr sz="1800" kern="1200">
-                <a:solidFill>
-                  <a:schemeClr val="tx1"/>
-                </a:solidFill>
-                <a:latin typeface="+mn-lt"/>
-                <a:ea typeface="+mn-ea"/>
-                <a:cs typeface="+mn-cs"/>
-              </a:defRPr>
-            </a:lvl8pPr>
-            <a:lvl9pPr marL="3886200" indent="-228600" algn="l" defTabSz="914400" rtl="0" eaLnBrk="1" latinLnBrk="0" hangingPunct="1">
-              <a:lnSpc>
-                <a:spcPct val="90000"/>
-              </a:lnSpc>
-              <a:spcBef>
-                <a:spcPts val="500"/>
-              </a:spcBef>
-              <a:buFont typeface="Arial" panose="020B0604020202020204" pitchFamily="34" charset="0"/>
-              <a:buChar char="•"/>
-              <a:defRPr sz="1800" kern="1200">
-                <a:solidFill>
-                  <a:schemeClr val="tx1"/>
-                </a:solidFill>
-                <a:latin typeface="+mn-lt"/>
-                <a:ea typeface="+mn-ea"/>
-                <a:cs typeface="+mn-cs"/>
-              </a:defRPr>
-            </a:lvl9pPr>
-          </a:lstStyle>
-          <a:p>
-            <a:pPr marL="0" indent="0">
-              <a:buNone/>
-            </a:pPr>
+          <p:cNvPr id="4" name="Rechthoek 3">
+            <a:extLst>
+              <a:ext uri="{FF2B5EF4-FFF2-40B4-BE49-F238E27FC236}">
+                <a16:creationId xmlns:a16="http://schemas.microsoft.com/office/drawing/2014/main" id="{A5B833BD-2B36-467E-91C9-35A08D5ADA1E}"/>
+              </a:ext>
+            </a:extLst>
+          </p:cNvPr>
+          <p:cNvSpPr/>
+          <p:nvPr/>
+        </p:nvSpPr>
+        <p:spPr>
+          <a:xfrm>
+            <a:off x="1402671" y="228600"/>
+            <a:ext cx="7261934" cy="4358936"/>
+          </a:xfrm>
+          <a:prstGeom prst="rect">
+            <a:avLst/>
+          </a:prstGeom>
+          <a:solidFill>
+            <a:schemeClr val="tx1"/>
+          </a:solidFill>
+        </p:spPr>
+        <p:style>
+          <a:lnRef idx="2">
+            <a:schemeClr val="accent1">
+              <a:shade val="50000"/>
+            </a:schemeClr>
+          </a:lnRef>
+          <a:fillRef idx="1">
+            <a:schemeClr val="accent1"/>
+          </a:fillRef>
+          <a:effectRef idx="0">
+            <a:schemeClr val="accent1"/>
+          </a:effectRef>
+          <a:fontRef idx="minor">
+            <a:schemeClr val="lt1"/>
+          </a:fontRef>
+        </p:style>
+        <p:txBody>
+          <a:bodyPr rtlCol="0" anchor="ctr"/>
+          <a:lstStyle/>
+          <a:p>
+            <a:pPr algn="ctr"/>
+            <a:endParaRPr lang="en-US"/>
+          </a:p>
+        </p:txBody>
+      </p:sp>
+      <p:sp>
+        <p:nvSpPr>
+          <p:cNvPr id="6" name="Tekstvak 5">
+            <a:extLst>
+              <a:ext uri="{FF2B5EF4-FFF2-40B4-BE49-F238E27FC236}">
+                <a16:creationId xmlns:a16="http://schemas.microsoft.com/office/drawing/2014/main" id="{C5DC41FC-5314-41AC-AC39-65079A9306AA}"/>
+              </a:ext>
+            </a:extLst>
+          </p:cNvPr>
+          <p:cNvSpPr txBox="1"/>
+          <p:nvPr/>
+        </p:nvSpPr>
+        <p:spPr>
+          <a:xfrm>
+            <a:off x="4599063" y="4689830"/>
+            <a:ext cx="869149" cy="369332"/>
+          </a:xfrm>
+          <a:prstGeom prst="rect">
+            <a:avLst/>
+          </a:prstGeom>
+          <a:noFill/>
+        </p:spPr>
+        <p:txBody>
+          <a:bodyPr wrap="none" rtlCol="0">
+            <a:spAutoFit/>
+          </a:bodyPr>
+          <a:lstStyle/>
+          <a:p>
+            <a:r>
+              <a:rPr lang="en-US" dirty="0"/>
+              <a:t>Y = 800</a:t>
+            </a:r>
+          </a:p>
+        </p:txBody>
+      </p:sp>
+      <p:sp>
+        <p:nvSpPr>
+          <p:cNvPr id="7" name="Tekstvak 6">
+            <a:extLst>
+              <a:ext uri="{FF2B5EF4-FFF2-40B4-BE49-F238E27FC236}">
+                <a16:creationId xmlns:a16="http://schemas.microsoft.com/office/drawing/2014/main" id="{F4157EF1-91D2-4D94-966B-98D59CB43F3E}"/>
+              </a:ext>
+            </a:extLst>
+          </p:cNvPr>
+          <p:cNvSpPr txBox="1"/>
+          <p:nvPr/>
+        </p:nvSpPr>
+        <p:spPr>
+          <a:xfrm>
+            <a:off x="525508" y="2223402"/>
+            <a:ext cx="877163" cy="369332"/>
+          </a:xfrm>
+          <a:prstGeom prst="rect">
+            <a:avLst/>
+          </a:prstGeom>
+          <a:noFill/>
+        </p:spPr>
+        <p:txBody>
+          <a:bodyPr wrap="none" rtlCol="0">
+            <a:spAutoFit/>
+          </a:bodyPr>
+          <a:lstStyle/>
+          <a:p>
+            <a:r>
+              <a:rPr lang="en-US" dirty="0"/>
+              <a:t>X = 600</a:t>
+            </a:r>
+          </a:p>
+        </p:txBody>
+      </p:sp>
+      <p:sp>
+        <p:nvSpPr>
+          <p:cNvPr id="2" name="Rechthoek 1">
+            <a:extLst>
+              <a:ext uri="{FF2B5EF4-FFF2-40B4-BE49-F238E27FC236}">
+                <a16:creationId xmlns:a16="http://schemas.microsoft.com/office/drawing/2014/main" id="{72D8658A-BBED-43DA-A30B-66B3AF1810F9}"/>
+              </a:ext>
+            </a:extLst>
+          </p:cNvPr>
+          <p:cNvSpPr/>
+          <p:nvPr/>
+        </p:nvSpPr>
+        <p:spPr>
+          <a:xfrm>
+            <a:off x="4492100" y="1941989"/>
+            <a:ext cx="852257" cy="772358"/>
+          </a:xfrm>
+          <a:prstGeom prst="rect">
+            <a:avLst/>
+          </a:prstGeom>
+          <a:solidFill>
+            <a:srgbClr val="00B050"/>
+          </a:solidFill>
+          <a:ln>
+            <a:solidFill>
+              <a:srgbClr val="00B050"/>
+            </a:solidFill>
+          </a:ln>
+        </p:spPr>
+        <p:style>
+          <a:lnRef idx="2">
+            <a:schemeClr val="accent1">
+              <a:shade val="50000"/>
+            </a:schemeClr>
+          </a:lnRef>
+          <a:fillRef idx="1">
+            <a:schemeClr val="accent1"/>
+          </a:fillRef>
+          <a:effectRef idx="0">
+            <a:schemeClr val="accent1"/>
+          </a:effectRef>
+          <a:fontRef idx="minor">
+            <a:schemeClr val="lt1"/>
+          </a:fontRef>
+        </p:style>
+        <p:txBody>
+          <a:bodyPr rtlCol="0" anchor="ctr"/>
+          <a:lstStyle/>
+          <a:p>
+            <a:pPr algn="ctr"/>
             <a:endParaRPr lang="en-US" dirty="0"/>
           </a:p>
         </p:txBody>
       </p:sp>
       <p:sp>
         <p:nvSpPr>
-          <p:cNvPr id="5" name="Titel 1">
-            <a:extLst>
-              <a:ext uri="{FF2B5EF4-FFF2-40B4-BE49-F238E27FC236}">
-                <a16:creationId xmlns:a16="http://schemas.microsoft.com/office/drawing/2014/main" id="{A7CE0CFB-EBB2-4F24-8FEE-BA1C8A8EF32C}"/>
+          <p:cNvPr id="3" name="Tekstvak 2">
+            <a:extLst>
+              <a:ext uri="{FF2B5EF4-FFF2-40B4-BE49-F238E27FC236}">
+                <a16:creationId xmlns:a16="http://schemas.microsoft.com/office/drawing/2014/main" id="{7AD950DB-ED39-4166-8641-C8EA568FD0D2}"/>
+              </a:ext>
+            </a:extLst>
+          </p:cNvPr>
+          <p:cNvSpPr txBox="1"/>
+          <p:nvPr/>
+        </p:nvSpPr>
+        <p:spPr>
+          <a:xfrm>
+            <a:off x="9408823" y="834527"/>
+            <a:ext cx="2440220" cy="461665"/>
+          </a:xfrm>
+          <a:prstGeom prst="rect">
+            <a:avLst/>
+          </a:prstGeom>
+          <a:noFill/>
+        </p:spPr>
+        <p:txBody>
+          <a:bodyPr wrap="none" rtlCol="0">
+            <a:spAutoFit/>
+          </a:bodyPr>
+          <a:lstStyle/>
+          <a:p>
+            <a:r>
+              <a:rPr lang="en-US" sz="2400" dirty="0"/>
+              <a:t>Player = (275,375)</a:t>
+            </a:r>
+          </a:p>
+        </p:txBody>
+      </p:sp>
+      <p:sp>
+        <p:nvSpPr>
+          <p:cNvPr id="8" name="Tekstvak 7">
+            <a:extLst>
+              <a:ext uri="{FF2B5EF4-FFF2-40B4-BE49-F238E27FC236}">
+                <a16:creationId xmlns:a16="http://schemas.microsoft.com/office/drawing/2014/main" id="{7A25126D-4ED5-4C54-82B6-3DC1F78465A1}"/>
+              </a:ext>
+            </a:extLst>
+          </p:cNvPr>
+          <p:cNvSpPr txBox="1"/>
+          <p:nvPr/>
+        </p:nvSpPr>
+        <p:spPr>
+          <a:xfrm>
+            <a:off x="1969651" y="5231155"/>
+            <a:ext cx="5975034" cy="461665"/>
+          </a:xfrm>
+          <a:prstGeom prst="rect">
+            <a:avLst/>
+          </a:prstGeom>
+          <a:noFill/>
+        </p:spPr>
+        <p:txBody>
+          <a:bodyPr wrap="none" rtlCol="0">
+            <a:spAutoFit/>
+          </a:bodyPr>
+          <a:lstStyle/>
+          <a:p>
+            <a:r>
+              <a:rPr lang="en-US" sz="2400" dirty="0"/>
+              <a:t>Now do the same for top, left and right border</a:t>
+            </a:r>
+          </a:p>
+        </p:txBody>
+      </p:sp>
+    </p:spTree>
+    <p:extLst>
+      <p:ext uri="{BB962C8B-B14F-4D97-AF65-F5344CB8AC3E}">
+        <p14:creationId xmlns:p14="http://schemas.microsoft.com/office/powerpoint/2010/main" val="3858402583"/>
+      </p:ext>
+    </p:extLst>
+  </p:cSld>
+  <p:clrMapOvr>
+    <a:masterClrMapping/>
+  </p:clrMapOvr>
+</p:sld>
+</file>
+
+<file path=ppt/slides/slide21.xml><?xml version="1.0" encoding="utf-8"?>
+<p:sld xmlns:a="http://schemas.openxmlformats.org/drawingml/2006/main" xmlns:r="http://schemas.openxmlformats.org/officeDocument/2006/relationships" xmlns:p="http://schemas.openxmlformats.org/presentationml/2006/main">
+  <p:cSld>
+    <p:spTree>
+      <p:nvGrpSpPr>
+        <p:cNvPr id="1" name=""/>
+        <p:cNvGrpSpPr/>
+        <p:nvPr/>
+      </p:nvGrpSpPr>
+      <p:grpSpPr>
+        <a:xfrm>
+          <a:off x="0" y="0"/>
+          <a:ext cx="0" cy="0"/>
+          <a:chOff x="0" y="0"/>
+          <a:chExt cx="0" cy="0"/>
+        </a:xfrm>
+      </p:grpSpPr>
+      <p:sp>
+        <p:nvSpPr>
+          <p:cNvPr id="4" name="Rechthoek 3">
+            <a:extLst>
+              <a:ext uri="{FF2B5EF4-FFF2-40B4-BE49-F238E27FC236}">
+                <a16:creationId xmlns:a16="http://schemas.microsoft.com/office/drawing/2014/main" id="{A5B833BD-2B36-467E-91C9-35A08D5ADA1E}"/>
+              </a:ext>
+            </a:extLst>
+          </p:cNvPr>
+          <p:cNvSpPr/>
+          <p:nvPr/>
+        </p:nvSpPr>
+        <p:spPr>
+          <a:xfrm>
+            <a:off x="1402671" y="228600"/>
+            <a:ext cx="7261934" cy="4358936"/>
+          </a:xfrm>
+          <a:prstGeom prst="rect">
+            <a:avLst/>
+          </a:prstGeom>
+          <a:solidFill>
+            <a:schemeClr val="tx1"/>
+          </a:solidFill>
+        </p:spPr>
+        <p:style>
+          <a:lnRef idx="2">
+            <a:schemeClr val="accent1">
+              <a:shade val="50000"/>
+            </a:schemeClr>
+          </a:lnRef>
+          <a:fillRef idx="1">
+            <a:schemeClr val="accent1"/>
+          </a:fillRef>
+          <a:effectRef idx="0">
+            <a:schemeClr val="accent1"/>
+          </a:effectRef>
+          <a:fontRef idx="minor">
+            <a:schemeClr val="lt1"/>
+          </a:fontRef>
+        </p:style>
+        <p:txBody>
+          <a:bodyPr rtlCol="0" anchor="ctr"/>
+          <a:lstStyle/>
+          <a:p>
+            <a:pPr algn="ctr"/>
+            <a:endParaRPr lang="en-US"/>
+          </a:p>
+        </p:txBody>
+      </p:sp>
+      <p:sp>
+        <p:nvSpPr>
+          <p:cNvPr id="6" name="Tekstvak 5">
+            <a:extLst>
+              <a:ext uri="{FF2B5EF4-FFF2-40B4-BE49-F238E27FC236}">
+                <a16:creationId xmlns:a16="http://schemas.microsoft.com/office/drawing/2014/main" id="{C5DC41FC-5314-41AC-AC39-65079A9306AA}"/>
+              </a:ext>
+            </a:extLst>
+          </p:cNvPr>
+          <p:cNvSpPr txBox="1"/>
+          <p:nvPr/>
+        </p:nvSpPr>
+        <p:spPr>
+          <a:xfrm>
+            <a:off x="4599063" y="4689830"/>
+            <a:ext cx="869149" cy="369332"/>
+          </a:xfrm>
+          <a:prstGeom prst="rect">
+            <a:avLst/>
+          </a:prstGeom>
+          <a:noFill/>
+        </p:spPr>
+        <p:txBody>
+          <a:bodyPr wrap="none" rtlCol="0">
+            <a:spAutoFit/>
+          </a:bodyPr>
+          <a:lstStyle/>
+          <a:p>
+            <a:r>
+              <a:rPr lang="en-US" dirty="0"/>
+              <a:t>Y = 800</a:t>
+            </a:r>
+          </a:p>
+        </p:txBody>
+      </p:sp>
+      <p:sp>
+        <p:nvSpPr>
+          <p:cNvPr id="7" name="Tekstvak 6">
+            <a:extLst>
+              <a:ext uri="{FF2B5EF4-FFF2-40B4-BE49-F238E27FC236}">
+                <a16:creationId xmlns:a16="http://schemas.microsoft.com/office/drawing/2014/main" id="{F4157EF1-91D2-4D94-966B-98D59CB43F3E}"/>
+              </a:ext>
+            </a:extLst>
+          </p:cNvPr>
+          <p:cNvSpPr txBox="1"/>
+          <p:nvPr/>
+        </p:nvSpPr>
+        <p:spPr>
+          <a:xfrm>
+            <a:off x="525508" y="2223402"/>
+            <a:ext cx="877163" cy="369332"/>
+          </a:xfrm>
+          <a:prstGeom prst="rect">
+            <a:avLst/>
+          </a:prstGeom>
+          <a:noFill/>
+        </p:spPr>
+        <p:txBody>
+          <a:bodyPr wrap="none" rtlCol="0">
+            <a:spAutoFit/>
+          </a:bodyPr>
+          <a:lstStyle/>
+          <a:p>
+            <a:r>
+              <a:rPr lang="en-US" dirty="0"/>
+              <a:t>X = 600</a:t>
+            </a:r>
+          </a:p>
+        </p:txBody>
+      </p:sp>
+      <p:sp>
+        <p:nvSpPr>
+          <p:cNvPr id="2" name="Rechthoek 1">
+            <a:extLst>
+              <a:ext uri="{FF2B5EF4-FFF2-40B4-BE49-F238E27FC236}">
+                <a16:creationId xmlns:a16="http://schemas.microsoft.com/office/drawing/2014/main" id="{72D8658A-BBED-43DA-A30B-66B3AF1810F9}"/>
+              </a:ext>
+            </a:extLst>
+          </p:cNvPr>
+          <p:cNvSpPr/>
+          <p:nvPr/>
+        </p:nvSpPr>
+        <p:spPr>
+          <a:xfrm>
+            <a:off x="4492100" y="1941989"/>
+            <a:ext cx="852257" cy="772358"/>
+          </a:xfrm>
+          <a:prstGeom prst="rect">
+            <a:avLst/>
+          </a:prstGeom>
+          <a:solidFill>
+            <a:srgbClr val="00B050"/>
+          </a:solidFill>
+          <a:ln>
+            <a:solidFill>
+              <a:srgbClr val="00B050"/>
+            </a:solidFill>
+          </a:ln>
+        </p:spPr>
+        <p:style>
+          <a:lnRef idx="2">
+            <a:schemeClr val="accent1">
+              <a:shade val="50000"/>
+            </a:schemeClr>
+          </a:lnRef>
+          <a:fillRef idx="1">
+            <a:schemeClr val="accent1"/>
+          </a:fillRef>
+          <a:effectRef idx="0">
+            <a:schemeClr val="accent1"/>
+          </a:effectRef>
+          <a:fontRef idx="minor">
+            <a:schemeClr val="lt1"/>
+          </a:fontRef>
+        </p:style>
+        <p:txBody>
+          <a:bodyPr rtlCol="0" anchor="ctr"/>
+          <a:lstStyle/>
+          <a:p>
+            <a:pPr algn="ctr"/>
+            <a:endParaRPr lang="en-US" dirty="0"/>
+          </a:p>
+        </p:txBody>
+      </p:sp>
+      <p:sp>
+        <p:nvSpPr>
+          <p:cNvPr id="3" name="Tekstvak 2">
+            <a:extLst>
+              <a:ext uri="{FF2B5EF4-FFF2-40B4-BE49-F238E27FC236}">
+                <a16:creationId xmlns:a16="http://schemas.microsoft.com/office/drawing/2014/main" id="{7AD950DB-ED39-4166-8641-C8EA568FD0D2}"/>
+              </a:ext>
+            </a:extLst>
+          </p:cNvPr>
+          <p:cNvSpPr txBox="1"/>
+          <p:nvPr/>
+        </p:nvSpPr>
+        <p:spPr>
+          <a:xfrm>
+            <a:off x="9408823" y="834527"/>
+            <a:ext cx="2440220" cy="461665"/>
+          </a:xfrm>
+          <a:prstGeom prst="rect">
+            <a:avLst/>
+          </a:prstGeom>
+          <a:noFill/>
+        </p:spPr>
+        <p:txBody>
+          <a:bodyPr wrap="none" rtlCol="0">
+            <a:spAutoFit/>
+          </a:bodyPr>
+          <a:lstStyle/>
+          <a:p>
+            <a:r>
+              <a:rPr lang="en-US" sz="2400" dirty="0"/>
+              <a:t>Player = (275,375)</a:t>
+            </a:r>
+          </a:p>
+        </p:txBody>
+      </p:sp>
+      <p:sp>
+        <p:nvSpPr>
+          <p:cNvPr id="8" name="Tekstvak 7">
+            <a:extLst>
+              <a:ext uri="{FF2B5EF4-FFF2-40B4-BE49-F238E27FC236}">
+                <a16:creationId xmlns:a16="http://schemas.microsoft.com/office/drawing/2014/main" id="{7A25126D-4ED5-4C54-82B6-3DC1F78465A1}"/>
+              </a:ext>
+            </a:extLst>
+          </p:cNvPr>
+          <p:cNvSpPr txBox="1"/>
+          <p:nvPr/>
+        </p:nvSpPr>
+        <p:spPr>
+          <a:xfrm>
+            <a:off x="1969651" y="5231155"/>
+            <a:ext cx="8232767" cy="830997"/>
+          </a:xfrm>
+          <a:prstGeom prst="rect">
+            <a:avLst/>
+          </a:prstGeom>
+          <a:noFill/>
+        </p:spPr>
+        <p:txBody>
+          <a:bodyPr wrap="none" rtlCol="0">
+            <a:spAutoFit/>
+          </a:bodyPr>
+          <a:lstStyle/>
+          <a:p>
+            <a:r>
+              <a:rPr lang="en-US" sz="2400" dirty="0"/>
+              <a:t>If we press ‘W’ we want to shoot a projectile on what position is </a:t>
+            </a:r>
+          </a:p>
+          <a:p>
+            <a:r>
+              <a:rPr lang="en-US" sz="2400" dirty="0"/>
+              <a:t>needed to let it start from the middle of the </a:t>
+            </a:r>
+            <a:r>
+              <a:rPr lang="en-US" sz="2400" b="1" dirty="0"/>
+              <a:t>player?</a:t>
+            </a:r>
+          </a:p>
+        </p:txBody>
+      </p:sp>
+      <p:sp>
+        <p:nvSpPr>
+          <p:cNvPr id="5" name="Rechthoek 4">
+            <a:extLst>
+              <a:ext uri="{FF2B5EF4-FFF2-40B4-BE49-F238E27FC236}">
+                <a16:creationId xmlns:a16="http://schemas.microsoft.com/office/drawing/2014/main" id="{AC836C5E-2875-4BE8-A227-8B25FBCA7318}"/>
+              </a:ext>
+            </a:extLst>
+          </p:cNvPr>
+          <p:cNvSpPr/>
+          <p:nvPr/>
+        </p:nvSpPr>
+        <p:spPr>
+          <a:xfrm>
+            <a:off x="4912584" y="1941989"/>
+            <a:ext cx="45719" cy="417389"/>
+          </a:xfrm>
+          <a:prstGeom prst="rect">
+            <a:avLst/>
+          </a:prstGeom>
+          <a:solidFill>
+            <a:srgbClr val="C00000"/>
+          </a:solidFill>
+          <a:ln>
+            <a:solidFill>
+              <a:srgbClr val="C00000"/>
+            </a:solidFill>
+          </a:ln>
+        </p:spPr>
+        <p:style>
+          <a:lnRef idx="2">
+            <a:schemeClr val="accent1">
+              <a:shade val="50000"/>
+            </a:schemeClr>
+          </a:lnRef>
+          <a:fillRef idx="1">
+            <a:schemeClr val="accent1"/>
+          </a:fillRef>
+          <a:effectRef idx="0">
+            <a:schemeClr val="accent1"/>
+          </a:effectRef>
+          <a:fontRef idx="minor">
+            <a:schemeClr val="lt1"/>
+          </a:fontRef>
+        </p:style>
+        <p:txBody>
+          <a:bodyPr rtlCol="0" anchor="ctr"/>
+          <a:lstStyle/>
+          <a:p>
+            <a:pPr algn="ctr"/>
+            <a:endParaRPr lang="nl-NL"/>
+          </a:p>
+        </p:txBody>
+      </p:sp>
+      <p:pic>
+        <p:nvPicPr>
+          <p:cNvPr id="10" name="Afbeelding 9">
+            <a:extLst>
+              <a:ext uri="{FF2B5EF4-FFF2-40B4-BE49-F238E27FC236}">
+                <a16:creationId xmlns:a16="http://schemas.microsoft.com/office/drawing/2014/main" id="{1476F308-C0AC-4AF8-9842-E3678BB6D7C4}"/>
+              </a:ext>
+            </a:extLst>
+          </p:cNvPr>
+          <p:cNvPicPr>
+            <a:picLocks noChangeAspect="1"/>
+          </p:cNvPicPr>
+          <p:nvPr/>
+        </p:nvPicPr>
+        <p:blipFill>
+          <a:blip r:embed="rId2"/>
+          <a:stretch>
+            <a:fillRect/>
+          </a:stretch>
+        </p:blipFill>
+        <p:spPr>
+          <a:xfrm>
+            <a:off x="9951943" y="2114789"/>
+            <a:ext cx="54869" cy="426757"/>
+          </a:xfrm>
+          <a:prstGeom prst="rect">
+            <a:avLst/>
+          </a:prstGeom>
+        </p:spPr>
+      </p:pic>
+      <p:sp>
+        <p:nvSpPr>
+          <p:cNvPr id="11" name="Tekstvak 10">
+            <a:extLst>
+              <a:ext uri="{FF2B5EF4-FFF2-40B4-BE49-F238E27FC236}">
+                <a16:creationId xmlns:a16="http://schemas.microsoft.com/office/drawing/2014/main" id="{FCFBDB95-E90C-4CBE-9DFA-6C3AF646A0FC}"/>
+              </a:ext>
+            </a:extLst>
+          </p:cNvPr>
+          <p:cNvSpPr txBox="1"/>
+          <p:nvPr/>
+        </p:nvSpPr>
+        <p:spPr>
+          <a:xfrm>
+            <a:off x="9533239" y="2150683"/>
+            <a:ext cx="418704" cy="369332"/>
+          </a:xfrm>
+          <a:prstGeom prst="rect">
+            <a:avLst/>
+          </a:prstGeom>
+          <a:noFill/>
+        </p:spPr>
+        <p:txBody>
+          <a:bodyPr wrap="none" rtlCol="0">
+            <a:spAutoFit/>
+          </a:bodyPr>
+          <a:lstStyle/>
+          <a:p>
+            <a:r>
+              <a:rPr lang="nl-NL" dirty="0"/>
+              <a:t>25</a:t>
+            </a:r>
+          </a:p>
+        </p:txBody>
+      </p:sp>
+      <p:sp>
+        <p:nvSpPr>
+          <p:cNvPr id="12" name="Tekstvak 11">
+            <a:extLst>
+              <a:ext uri="{FF2B5EF4-FFF2-40B4-BE49-F238E27FC236}">
+                <a16:creationId xmlns:a16="http://schemas.microsoft.com/office/drawing/2014/main" id="{1FCC74DD-6E97-4DDA-846D-D55405B1A58A}"/>
+              </a:ext>
+            </a:extLst>
+          </p:cNvPr>
+          <p:cNvSpPr txBox="1"/>
+          <p:nvPr/>
+        </p:nvSpPr>
+        <p:spPr>
+          <a:xfrm>
+            <a:off x="9765993" y="2692008"/>
+            <a:ext cx="418704" cy="369332"/>
+          </a:xfrm>
+          <a:prstGeom prst="rect">
+            <a:avLst/>
+          </a:prstGeom>
+          <a:noFill/>
+        </p:spPr>
+        <p:txBody>
+          <a:bodyPr wrap="none" rtlCol="0">
+            <a:spAutoFit/>
+          </a:bodyPr>
+          <a:lstStyle/>
+          <a:p>
+            <a:r>
+              <a:rPr lang="nl-NL" dirty="0"/>
+              <a:t>10</a:t>
+            </a:r>
+          </a:p>
+        </p:txBody>
+      </p:sp>
+    </p:spTree>
+    <p:extLst>
+      <p:ext uri="{BB962C8B-B14F-4D97-AF65-F5344CB8AC3E}">
+        <p14:creationId xmlns:p14="http://schemas.microsoft.com/office/powerpoint/2010/main" val="178818395"/>
+      </p:ext>
+    </p:extLst>
+  </p:cSld>
+  <p:clrMapOvr>
+    <a:masterClrMapping/>
+  </p:clrMapOvr>
+</p:sld>
+</file>
+
+<file path=ppt/slides/slide22.xml><?xml version="1.0" encoding="utf-8"?>
+<p:sld xmlns:a="http://schemas.openxmlformats.org/drawingml/2006/main" xmlns:r="http://schemas.openxmlformats.org/officeDocument/2006/relationships" xmlns:p="http://schemas.openxmlformats.org/presentationml/2006/main">
+  <p:cSld>
+    <p:spTree>
+      <p:nvGrpSpPr>
+        <p:cNvPr id="1" name=""/>
+        <p:cNvGrpSpPr/>
+        <p:nvPr/>
+      </p:nvGrpSpPr>
+      <p:grpSpPr>
+        <a:xfrm>
+          <a:off x="0" y="0"/>
+          <a:ext cx="0" cy="0"/>
+          <a:chOff x="0" y="0"/>
+          <a:chExt cx="0" cy="0"/>
+        </a:xfrm>
+      </p:grpSpPr>
+      <p:sp>
+        <p:nvSpPr>
+          <p:cNvPr id="6" name="Tekstvak 5">
+            <a:extLst>
+              <a:ext uri="{FF2B5EF4-FFF2-40B4-BE49-F238E27FC236}">
+                <a16:creationId xmlns:a16="http://schemas.microsoft.com/office/drawing/2014/main" id="{C5DC41FC-5314-41AC-AC39-65079A9306AA}"/>
+              </a:ext>
+            </a:extLst>
+          </p:cNvPr>
+          <p:cNvSpPr txBox="1"/>
+          <p:nvPr/>
+        </p:nvSpPr>
+        <p:spPr>
+          <a:xfrm>
+            <a:off x="4421713" y="3994086"/>
+            <a:ext cx="752129" cy="369332"/>
+          </a:xfrm>
+          <a:prstGeom prst="rect">
+            <a:avLst/>
+          </a:prstGeom>
+          <a:noFill/>
+        </p:spPr>
+        <p:txBody>
+          <a:bodyPr wrap="none" rtlCol="0">
+            <a:spAutoFit/>
+          </a:bodyPr>
+          <a:lstStyle/>
+          <a:p>
+            <a:r>
+              <a:rPr lang="en-US" dirty="0"/>
+              <a:t>Y = 50</a:t>
+            </a:r>
+          </a:p>
+        </p:txBody>
+      </p:sp>
+      <p:sp>
+        <p:nvSpPr>
+          <p:cNvPr id="7" name="Tekstvak 6">
+            <a:extLst>
+              <a:ext uri="{FF2B5EF4-FFF2-40B4-BE49-F238E27FC236}">
+                <a16:creationId xmlns:a16="http://schemas.microsoft.com/office/drawing/2014/main" id="{F4157EF1-91D2-4D94-966B-98D59CB43F3E}"/>
+              </a:ext>
+            </a:extLst>
+          </p:cNvPr>
+          <p:cNvSpPr txBox="1"/>
+          <p:nvPr/>
+        </p:nvSpPr>
+        <p:spPr>
+          <a:xfrm>
+            <a:off x="2343144" y="2262121"/>
+            <a:ext cx="760144" cy="369332"/>
+          </a:xfrm>
+          <a:prstGeom prst="rect">
+            <a:avLst/>
+          </a:prstGeom>
+          <a:noFill/>
+        </p:spPr>
+        <p:txBody>
+          <a:bodyPr wrap="none" rtlCol="0">
+            <a:spAutoFit/>
+          </a:bodyPr>
+          <a:lstStyle/>
+          <a:p>
+            <a:r>
+              <a:rPr lang="en-US" dirty="0"/>
+              <a:t>X = 50</a:t>
+            </a:r>
+          </a:p>
+        </p:txBody>
+      </p:sp>
+      <p:sp>
+        <p:nvSpPr>
+          <p:cNvPr id="2" name="Rechthoek 1">
+            <a:extLst>
+              <a:ext uri="{FF2B5EF4-FFF2-40B4-BE49-F238E27FC236}">
+                <a16:creationId xmlns:a16="http://schemas.microsoft.com/office/drawing/2014/main" id="{72D8658A-BBED-43DA-A30B-66B3AF1810F9}"/>
+              </a:ext>
+            </a:extLst>
+          </p:cNvPr>
+          <p:cNvSpPr/>
+          <p:nvPr/>
+        </p:nvSpPr>
+        <p:spPr>
+          <a:xfrm>
+            <a:off x="3318933" y="1253622"/>
+            <a:ext cx="2928535" cy="2575848"/>
+          </a:xfrm>
+          <a:prstGeom prst="rect">
+            <a:avLst/>
+          </a:prstGeom>
+          <a:solidFill>
+            <a:srgbClr val="00B050"/>
+          </a:solidFill>
+          <a:ln>
+            <a:solidFill>
+              <a:srgbClr val="00B050"/>
+            </a:solidFill>
+          </a:ln>
+        </p:spPr>
+        <p:style>
+          <a:lnRef idx="2">
+            <a:schemeClr val="accent1">
+              <a:shade val="50000"/>
+            </a:schemeClr>
+          </a:lnRef>
+          <a:fillRef idx="1">
+            <a:schemeClr val="accent1"/>
+          </a:fillRef>
+          <a:effectRef idx="0">
+            <a:schemeClr val="accent1"/>
+          </a:effectRef>
+          <a:fontRef idx="minor">
+            <a:schemeClr val="lt1"/>
+          </a:fontRef>
+        </p:style>
+        <p:txBody>
+          <a:bodyPr rtlCol="0" anchor="ctr"/>
+          <a:lstStyle/>
+          <a:p>
+            <a:pPr algn="ctr"/>
+            <a:endParaRPr lang="en-US" dirty="0"/>
+          </a:p>
+        </p:txBody>
+      </p:sp>
+      <p:sp>
+        <p:nvSpPr>
+          <p:cNvPr id="3" name="Tekstvak 2">
+            <a:extLst>
+              <a:ext uri="{FF2B5EF4-FFF2-40B4-BE49-F238E27FC236}">
+                <a16:creationId xmlns:a16="http://schemas.microsoft.com/office/drawing/2014/main" id="{7AD950DB-ED39-4166-8641-C8EA568FD0D2}"/>
+              </a:ext>
+            </a:extLst>
+          </p:cNvPr>
+          <p:cNvSpPr txBox="1"/>
+          <p:nvPr/>
+        </p:nvSpPr>
+        <p:spPr>
+          <a:xfrm>
+            <a:off x="9408823" y="834527"/>
+            <a:ext cx="2440220" cy="461665"/>
+          </a:xfrm>
+          <a:prstGeom prst="rect">
+            <a:avLst/>
+          </a:prstGeom>
+          <a:noFill/>
+        </p:spPr>
+        <p:txBody>
+          <a:bodyPr wrap="none" rtlCol="0">
+            <a:spAutoFit/>
+          </a:bodyPr>
+          <a:lstStyle/>
+          <a:p>
+            <a:r>
+              <a:rPr lang="en-US" sz="2400" dirty="0"/>
+              <a:t>Player = (275,375)</a:t>
+            </a:r>
+          </a:p>
+        </p:txBody>
+      </p:sp>
+      <p:sp>
+        <p:nvSpPr>
+          <p:cNvPr id="5" name="Rechthoek 4">
+            <a:extLst>
+              <a:ext uri="{FF2B5EF4-FFF2-40B4-BE49-F238E27FC236}">
+                <a16:creationId xmlns:a16="http://schemas.microsoft.com/office/drawing/2014/main" id="{AC836C5E-2875-4BE8-A227-8B25FBCA7318}"/>
+              </a:ext>
+            </a:extLst>
+          </p:cNvPr>
+          <p:cNvSpPr/>
+          <p:nvPr/>
+        </p:nvSpPr>
+        <p:spPr>
+          <a:xfrm>
+            <a:off x="4679119" y="1238623"/>
+            <a:ext cx="96081" cy="1392830"/>
+          </a:xfrm>
+          <a:prstGeom prst="rect">
+            <a:avLst/>
+          </a:prstGeom>
+          <a:solidFill>
+            <a:srgbClr val="C00000"/>
+          </a:solidFill>
+          <a:ln>
+            <a:solidFill>
+              <a:srgbClr val="C00000"/>
+            </a:solidFill>
+          </a:ln>
+        </p:spPr>
+        <p:style>
+          <a:lnRef idx="2">
+            <a:schemeClr val="accent1">
+              <a:shade val="50000"/>
+            </a:schemeClr>
+          </a:lnRef>
+          <a:fillRef idx="1">
+            <a:schemeClr val="accent1"/>
+          </a:fillRef>
+          <a:effectRef idx="0">
+            <a:schemeClr val="accent1"/>
+          </a:effectRef>
+          <a:fontRef idx="minor">
+            <a:schemeClr val="lt1"/>
+          </a:fontRef>
+        </p:style>
+        <p:txBody>
+          <a:bodyPr rtlCol="0" anchor="ctr"/>
+          <a:lstStyle/>
+          <a:p>
+            <a:pPr algn="ctr"/>
+            <a:endParaRPr lang="nl-NL"/>
+          </a:p>
+        </p:txBody>
+      </p:sp>
+      <p:pic>
+        <p:nvPicPr>
+          <p:cNvPr id="10" name="Afbeelding 9">
+            <a:extLst>
+              <a:ext uri="{FF2B5EF4-FFF2-40B4-BE49-F238E27FC236}">
+                <a16:creationId xmlns:a16="http://schemas.microsoft.com/office/drawing/2014/main" id="{1476F308-C0AC-4AF8-9842-E3678BB6D7C4}"/>
+              </a:ext>
+            </a:extLst>
+          </p:cNvPr>
+          <p:cNvPicPr>
+            <a:picLocks noChangeAspect="1"/>
+          </p:cNvPicPr>
+          <p:nvPr/>
+        </p:nvPicPr>
+        <p:blipFill>
+          <a:blip r:embed="rId2"/>
+          <a:stretch>
+            <a:fillRect/>
+          </a:stretch>
+        </p:blipFill>
+        <p:spPr>
+          <a:xfrm>
+            <a:off x="9951943" y="2114789"/>
+            <a:ext cx="54869" cy="426757"/>
+          </a:xfrm>
+          <a:prstGeom prst="rect">
+            <a:avLst/>
+          </a:prstGeom>
+        </p:spPr>
+      </p:pic>
+      <p:sp>
+        <p:nvSpPr>
+          <p:cNvPr id="11" name="Tekstvak 10">
+            <a:extLst>
+              <a:ext uri="{FF2B5EF4-FFF2-40B4-BE49-F238E27FC236}">
+                <a16:creationId xmlns:a16="http://schemas.microsoft.com/office/drawing/2014/main" id="{FCFBDB95-E90C-4CBE-9DFA-6C3AF646A0FC}"/>
+              </a:ext>
+            </a:extLst>
+          </p:cNvPr>
+          <p:cNvSpPr txBox="1"/>
+          <p:nvPr/>
+        </p:nvSpPr>
+        <p:spPr>
+          <a:xfrm>
+            <a:off x="9533239" y="2150683"/>
+            <a:ext cx="418704" cy="369332"/>
+          </a:xfrm>
+          <a:prstGeom prst="rect">
+            <a:avLst/>
+          </a:prstGeom>
+          <a:noFill/>
+        </p:spPr>
+        <p:txBody>
+          <a:bodyPr wrap="none" rtlCol="0">
+            <a:spAutoFit/>
+          </a:bodyPr>
+          <a:lstStyle/>
+          <a:p>
+            <a:r>
+              <a:rPr lang="nl-NL" dirty="0"/>
+              <a:t>25</a:t>
+            </a:r>
+          </a:p>
+        </p:txBody>
+      </p:sp>
+      <p:sp>
+        <p:nvSpPr>
+          <p:cNvPr id="12" name="Tekstvak 11">
+            <a:extLst>
+              <a:ext uri="{FF2B5EF4-FFF2-40B4-BE49-F238E27FC236}">
+                <a16:creationId xmlns:a16="http://schemas.microsoft.com/office/drawing/2014/main" id="{1FCC74DD-6E97-4DDA-846D-D55405B1A58A}"/>
+              </a:ext>
+            </a:extLst>
+          </p:cNvPr>
+          <p:cNvSpPr txBox="1"/>
+          <p:nvPr/>
+        </p:nvSpPr>
+        <p:spPr>
+          <a:xfrm>
+            <a:off x="9770025" y="2583739"/>
+            <a:ext cx="418704" cy="369332"/>
+          </a:xfrm>
+          <a:prstGeom prst="rect">
+            <a:avLst/>
+          </a:prstGeom>
+          <a:noFill/>
+        </p:spPr>
+        <p:txBody>
+          <a:bodyPr wrap="none" rtlCol="0">
+            <a:spAutoFit/>
+          </a:bodyPr>
+          <a:lstStyle/>
+          <a:p>
+            <a:r>
+              <a:rPr lang="nl-NL" dirty="0"/>
+              <a:t>10</a:t>
+            </a:r>
+          </a:p>
+        </p:txBody>
+      </p:sp>
+      <p:sp>
+        <p:nvSpPr>
+          <p:cNvPr id="13" name="Tekstvak 12">
+            <a:extLst>
+              <a:ext uri="{FF2B5EF4-FFF2-40B4-BE49-F238E27FC236}">
+                <a16:creationId xmlns:a16="http://schemas.microsoft.com/office/drawing/2014/main" id="{0F7E0E0A-7DE4-4D61-9EA9-5440CD469D5F}"/>
+              </a:ext>
+            </a:extLst>
+          </p:cNvPr>
+          <p:cNvSpPr txBox="1"/>
+          <p:nvPr/>
+        </p:nvSpPr>
+        <p:spPr>
+          <a:xfrm>
+            <a:off x="991542" y="4528034"/>
+            <a:ext cx="9689384" cy="1200329"/>
+          </a:xfrm>
+          <a:prstGeom prst="rect">
+            <a:avLst/>
+          </a:prstGeom>
+          <a:noFill/>
+        </p:spPr>
+        <p:txBody>
+          <a:bodyPr wrap="none" rtlCol="0">
+            <a:spAutoFit/>
+          </a:bodyPr>
+          <a:lstStyle/>
+          <a:p>
+            <a:r>
+              <a:rPr lang="nl-NL" sz="2400" dirty="0" err="1"/>
+              <a:t>Now</a:t>
+            </a:r>
+            <a:r>
+              <a:rPr lang="nl-NL" sz="2400" dirty="0"/>
+              <a:t> we do </a:t>
+            </a:r>
+            <a:r>
+              <a:rPr lang="nl-NL" sz="2400" dirty="0" err="1"/>
+              <a:t>the</a:t>
+            </a:r>
+            <a:r>
+              <a:rPr lang="nl-NL" sz="2400" dirty="0"/>
+              <a:t> </a:t>
+            </a:r>
+            <a:r>
+              <a:rPr lang="nl-NL" sz="2400" dirty="0" err="1"/>
+              <a:t>position</a:t>
+            </a:r>
+            <a:r>
+              <a:rPr lang="nl-NL" sz="2400" dirty="0"/>
+              <a:t> on </a:t>
+            </a:r>
+            <a:r>
+              <a:rPr lang="nl-NL" sz="2400" dirty="0" err="1"/>
+              <a:t>the</a:t>
+            </a:r>
+            <a:r>
+              <a:rPr lang="nl-NL" sz="2400" dirty="0"/>
+              <a:t> y </a:t>
+            </a:r>
+            <a:r>
+              <a:rPr lang="nl-NL" sz="2400" dirty="0" err="1"/>
+              <a:t>axis</a:t>
+            </a:r>
+            <a:r>
+              <a:rPr lang="nl-NL" sz="2400" dirty="0"/>
+              <a:t>, </a:t>
+            </a:r>
+            <a:r>
+              <a:rPr lang="nl-NL" sz="2400" dirty="0" err="1"/>
+              <a:t>for</a:t>
+            </a:r>
+            <a:r>
+              <a:rPr lang="nl-NL" sz="2400" dirty="0"/>
+              <a:t> </a:t>
+            </a:r>
+            <a:r>
+              <a:rPr lang="nl-NL" sz="2400" dirty="0" err="1"/>
+              <a:t>this</a:t>
+            </a:r>
+            <a:r>
+              <a:rPr lang="nl-NL" sz="2400" dirty="0"/>
+              <a:t> we </a:t>
+            </a:r>
+            <a:r>
+              <a:rPr lang="nl-NL" sz="2400" dirty="0" err="1"/>
+              <a:t>need</a:t>
+            </a:r>
+            <a:r>
+              <a:rPr lang="nl-NL" sz="2400" dirty="0"/>
+              <a:t> </a:t>
+            </a:r>
+            <a:r>
+              <a:rPr lang="nl-NL" sz="2400" dirty="0" err="1"/>
+              <a:t>the</a:t>
+            </a:r>
+            <a:r>
+              <a:rPr lang="nl-NL" sz="2400" dirty="0"/>
+              <a:t> </a:t>
+            </a:r>
+            <a:r>
+              <a:rPr lang="nl-NL" sz="2400" dirty="0" err="1"/>
+              <a:t>position</a:t>
+            </a:r>
+            <a:r>
+              <a:rPr lang="nl-NL" sz="2400" dirty="0"/>
+              <a:t> </a:t>
+            </a:r>
+          </a:p>
+          <a:p>
+            <a:r>
+              <a:rPr lang="nl-NL" sz="2400" dirty="0"/>
+              <a:t>of </a:t>
+            </a:r>
+            <a:r>
+              <a:rPr lang="nl-NL" sz="2400" dirty="0" err="1"/>
+              <a:t>the</a:t>
+            </a:r>
+            <a:r>
+              <a:rPr lang="nl-NL" sz="2400" dirty="0"/>
+              <a:t> </a:t>
+            </a:r>
+            <a:r>
+              <a:rPr lang="nl-NL" sz="2400" dirty="0" err="1"/>
+              <a:t>player</a:t>
+            </a:r>
+            <a:r>
+              <a:rPr lang="nl-NL" sz="2400" dirty="0"/>
+              <a:t> on </a:t>
+            </a:r>
+            <a:r>
+              <a:rPr lang="nl-NL" sz="2400" dirty="0" err="1"/>
+              <a:t>this</a:t>
+            </a:r>
+            <a:r>
+              <a:rPr lang="nl-NL" sz="2400" dirty="0"/>
+              <a:t> </a:t>
+            </a:r>
+            <a:r>
+              <a:rPr lang="nl-NL" sz="2400" dirty="0" err="1"/>
+              <a:t>axis</a:t>
+            </a:r>
+            <a:r>
+              <a:rPr lang="nl-NL" sz="2400" dirty="0"/>
+              <a:t>, </a:t>
+            </a:r>
+            <a:r>
+              <a:rPr lang="nl-NL" sz="2400" dirty="0" err="1"/>
+              <a:t>which</a:t>
+            </a:r>
+            <a:r>
+              <a:rPr lang="nl-NL" sz="2400" dirty="0"/>
+              <a:t> is 375, we </a:t>
+            </a:r>
+            <a:r>
+              <a:rPr lang="nl-NL" sz="2400" dirty="0" err="1"/>
+              <a:t>need</a:t>
+            </a:r>
+            <a:r>
+              <a:rPr lang="nl-NL" sz="2400" dirty="0"/>
+              <a:t> </a:t>
+            </a:r>
+            <a:r>
+              <a:rPr lang="nl-NL" sz="2400" dirty="0" err="1"/>
+              <a:t>the</a:t>
+            </a:r>
+            <a:r>
+              <a:rPr lang="nl-NL" sz="2400" dirty="0"/>
+              <a:t> </a:t>
+            </a:r>
+            <a:r>
+              <a:rPr lang="nl-NL" sz="2400" dirty="0" err="1"/>
+              <a:t>width</a:t>
+            </a:r>
+            <a:r>
+              <a:rPr lang="nl-NL" sz="2400" dirty="0"/>
+              <a:t> </a:t>
+            </a:r>
+          </a:p>
+          <a:p>
+            <a:r>
+              <a:rPr lang="nl-NL" sz="2400" dirty="0"/>
+              <a:t>of </a:t>
+            </a:r>
+            <a:r>
+              <a:rPr lang="nl-NL" sz="2400" dirty="0" err="1"/>
+              <a:t>the</a:t>
+            </a:r>
+            <a:r>
+              <a:rPr lang="nl-NL" sz="2400" dirty="0"/>
+              <a:t> </a:t>
+            </a:r>
+            <a:r>
+              <a:rPr lang="nl-NL" sz="2400" dirty="0" err="1"/>
+              <a:t>player</a:t>
+            </a:r>
+            <a:r>
+              <a:rPr lang="nl-NL" sz="2400" dirty="0"/>
+              <a:t> </a:t>
+            </a:r>
+            <a:r>
+              <a:rPr lang="nl-NL" sz="2400" dirty="0" err="1"/>
+              <a:t>which</a:t>
+            </a:r>
+            <a:r>
+              <a:rPr lang="nl-NL" sz="2400" dirty="0"/>
+              <a:t> is 50 </a:t>
+            </a:r>
+            <a:r>
+              <a:rPr lang="nl-NL" sz="2400" dirty="0" err="1"/>
+              <a:t>and</a:t>
+            </a:r>
+            <a:r>
+              <a:rPr lang="nl-NL" sz="2400" dirty="0"/>
+              <a:t> we </a:t>
+            </a:r>
+            <a:r>
+              <a:rPr lang="nl-NL" sz="2400" dirty="0" err="1"/>
+              <a:t>need</a:t>
+            </a:r>
+            <a:r>
+              <a:rPr lang="nl-NL" sz="2400" dirty="0"/>
+              <a:t> </a:t>
+            </a:r>
+            <a:r>
+              <a:rPr lang="nl-NL" sz="2400" dirty="0" err="1"/>
+              <a:t>the</a:t>
+            </a:r>
+            <a:r>
+              <a:rPr lang="nl-NL" sz="2400" dirty="0"/>
+              <a:t> </a:t>
+            </a:r>
+            <a:r>
+              <a:rPr lang="nl-NL" sz="2400" dirty="0" err="1"/>
+              <a:t>width</a:t>
+            </a:r>
+            <a:r>
+              <a:rPr lang="nl-NL" sz="2400" dirty="0"/>
+              <a:t> of </a:t>
+            </a:r>
+            <a:r>
+              <a:rPr lang="nl-NL" sz="2400" dirty="0" err="1"/>
+              <a:t>the</a:t>
+            </a:r>
+            <a:r>
+              <a:rPr lang="nl-NL" sz="2400" dirty="0"/>
+              <a:t> </a:t>
+            </a:r>
+            <a:r>
+              <a:rPr lang="nl-NL" sz="2400" dirty="0" err="1"/>
+              <a:t>projectile</a:t>
+            </a:r>
+            <a:r>
+              <a:rPr lang="nl-NL" sz="2400" dirty="0"/>
+              <a:t> </a:t>
+            </a:r>
+            <a:r>
+              <a:rPr lang="nl-NL" sz="2400" dirty="0" err="1"/>
+              <a:t>which</a:t>
+            </a:r>
+            <a:r>
+              <a:rPr lang="nl-NL" sz="2400" dirty="0"/>
+              <a:t> is 10</a:t>
+            </a:r>
+          </a:p>
+        </p:txBody>
+      </p:sp>
+      <p:sp>
+        <p:nvSpPr>
+          <p:cNvPr id="14" name="Tekstvak 13">
+            <a:extLst>
+              <a:ext uri="{FF2B5EF4-FFF2-40B4-BE49-F238E27FC236}">
+                <a16:creationId xmlns:a16="http://schemas.microsoft.com/office/drawing/2014/main" id="{291052B8-3055-4B8C-9081-229C0F3E8C5C}"/>
+              </a:ext>
+            </a:extLst>
+          </p:cNvPr>
+          <p:cNvSpPr txBox="1"/>
+          <p:nvPr/>
+        </p:nvSpPr>
+        <p:spPr>
+          <a:xfrm>
+            <a:off x="1047987" y="5772340"/>
+            <a:ext cx="5054589" cy="461665"/>
+          </a:xfrm>
+          <a:prstGeom prst="rect">
+            <a:avLst/>
+          </a:prstGeom>
+          <a:noFill/>
+        </p:spPr>
+        <p:txBody>
+          <a:bodyPr wrap="none" rtlCol="0">
+            <a:spAutoFit/>
+          </a:bodyPr>
+          <a:lstStyle/>
+          <a:p>
+            <a:r>
+              <a:rPr lang="nl-NL" sz="2400" dirty="0"/>
+              <a:t>The </a:t>
+            </a:r>
+            <a:r>
+              <a:rPr lang="nl-NL" sz="2400" dirty="0" err="1"/>
+              <a:t>position</a:t>
+            </a:r>
+            <a:r>
+              <a:rPr lang="nl-NL" sz="2400" dirty="0"/>
+              <a:t> </a:t>
+            </a:r>
+            <a:r>
+              <a:rPr lang="nl-NL" sz="2400" dirty="0" err="1"/>
+              <a:t>will</a:t>
+            </a:r>
+            <a:r>
+              <a:rPr lang="nl-NL" sz="2400" dirty="0"/>
+              <a:t> </a:t>
+            </a:r>
+            <a:r>
+              <a:rPr lang="nl-NL" sz="2400" dirty="0" err="1"/>
+              <a:t>be</a:t>
+            </a:r>
+            <a:r>
+              <a:rPr lang="nl-NL" sz="2400" dirty="0"/>
+              <a:t>: 275 + (50/2) = 300</a:t>
+            </a:r>
+          </a:p>
+        </p:txBody>
+      </p:sp>
+    </p:spTree>
+    <p:extLst>
+      <p:ext uri="{BB962C8B-B14F-4D97-AF65-F5344CB8AC3E}">
+        <p14:creationId xmlns:p14="http://schemas.microsoft.com/office/powerpoint/2010/main" val="1353332089"/>
+      </p:ext>
+    </p:extLst>
+  </p:cSld>
+  <p:clrMapOvr>
+    <a:masterClrMapping/>
+  </p:clrMapOvr>
+</p:sld>
+</file>
+
+<file path=ppt/slides/slide23.xml><?xml version="1.0" encoding="utf-8"?>
+<p:sld xmlns:a="http://schemas.openxmlformats.org/drawingml/2006/main" xmlns:r="http://schemas.openxmlformats.org/officeDocument/2006/relationships" xmlns:p="http://schemas.openxmlformats.org/presentationml/2006/main">
+  <p:cSld>
+    <p:spTree>
+      <p:nvGrpSpPr>
+        <p:cNvPr id="1" name=""/>
+        <p:cNvGrpSpPr/>
+        <p:nvPr/>
+      </p:nvGrpSpPr>
+      <p:grpSpPr>
+        <a:xfrm>
+          <a:off x="0" y="0"/>
+          <a:ext cx="0" cy="0"/>
+          <a:chOff x="0" y="0"/>
+          <a:chExt cx="0" cy="0"/>
+        </a:xfrm>
+      </p:grpSpPr>
+      <p:sp>
+        <p:nvSpPr>
+          <p:cNvPr id="6" name="Tekstvak 5">
+            <a:extLst>
+              <a:ext uri="{FF2B5EF4-FFF2-40B4-BE49-F238E27FC236}">
+                <a16:creationId xmlns:a16="http://schemas.microsoft.com/office/drawing/2014/main" id="{C5DC41FC-5314-41AC-AC39-65079A9306AA}"/>
+              </a:ext>
+            </a:extLst>
+          </p:cNvPr>
+          <p:cNvSpPr txBox="1"/>
+          <p:nvPr/>
+        </p:nvSpPr>
+        <p:spPr>
+          <a:xfrm>
+            <a:off x="4421713" y="3994086"/>
+            <a:ext cx="752129" cy="369332"/>
+          </a:xfrm>
+          <a:prstGeom prst="rect">
+            <a:avLst/>
+          </a:prstGeom>
+          <a:noFill/>
+        </p:spPr>
+        <p:txBody>
+          <a:bodyPr wrap="none" rtlCol="0">
+            <a:spAutoFit/>
+          </a:bodyPr>
+          <a:lstStyle/>
+          <a:p>
+            <a:r>
+              <a:rPr lang="en-US" dirty="0"/>
+              <a:t>Y = 50</a:t>
+            </a:r>
+          </a:p>
+        </p:txBody>
+      </p:sp>
+      <p:sp>
+        <p:nvSpPr>
+          <p:cNvPr id="7" name="Tekstvak 6">
+            <a:extLst>
+              <a:ext uri="{FF2B5EF4-FFF2-40B4-BE49-F238E27FC236}">
+                <a16:creationId xmlns:a16="http://schemas.microsoft.com/office/drawing/2014/main" id="{F4157EF1-91D2-4D94-966B-98D59CB43F3E}"/>
+              </a:ext>
+            </a:extLst>
+          </p:cNvPr>
+          <p:cNvSpPr txBox="1"/>
+          <p:nvPr/>
+        </p:nvSpPr>
+        <p:spPr>
+          <a:xfrm>
+            <a:off x="2343144" y="2262121"/>
+            <a:ext cx="760144" cy="369332"/>
+          </a:xfrm>
+          <a:prstGeom prst="rect">
+            <a:avLst/>
+          </a:prstGeom>
+          <a:noFill/>
+        </p:spPr>
+        <p:txBody>
+          <a:bodyPr wrap="none" rtlCol="0">
+            <a:spAutoFit/>
+          </a:bodyPr>
+          <a:lstStyle/>
+          <a:p>
+            <a:r>
+              <a:rPr lang="en-US" dirty="0"/>
+              <a:t>X = 50</a:t>
+            </a:r>
+          </a:p>
+        </p:txBody>
+      </p:sp>
+      <p:sp>
+        <p:nvSpPr>
+          <p:cNvPr id="2" name="Rechthoek 1">
+            <a:extLst>
+              <a:ext uri="{FF2B5EF4-FFF2-40B4-BE49-F238E27FC236}">
+                <a16:creationId xmlns:a16="http://schemas.microsoft.com/office/drawing/2014/main" id="{72D8658A-BBED-43DA-A30B-66B3AF1810F9}"/>
+              </a:ext>
+            </a:extLst>
+          </p:cNvPr>
+          <p:cNvSpPr/>
+          <p:nvPr/>
+        </p:nvSpPr>
+        <p:spPr>
+          <a:xfrm>
+            <a:off x="3318933" y="1253622"/>
+            <a:ext cx="2928535" cy="2575848"/>
+          </a:xfrm>
+          <a:prstGeom prst="rect">
+            <a:avLst/>
+          </a:prstGeom>
+          <a:solidFill>
+            <a:srgbClr val="00B050"/>
+          </a:solidFill>
+          <a:ln>
+            <a:solidFill>
+              <a:srgbClr val="00B050"/>
+            </a:solidFill>
+          </a:ln>
+        </p:spPr>
+        <p:style>
+          <a:lnRef idx="2">
+            <a:schemeClr val="accent1">
+              <a:shade val="50000"/>
+            </a:schemeClr>
+          </a:lnRef>
+          <a:fillRef idx="1">
+            <a:schemeClr val="accent1"/>
+          </a:fillRef>
+          <a:effectRef idx="0">
+            <a:schemeClr val="accent1"/>
+          </a:effectRef>
+          <a:fontRef idx="minor">
+            <a:schemeClr val="lt1"/>
+          </a:fontRef>
+        </p:style>
+        <p:txBody>
+          <a:bodyPr rtlCol="0" anchor="ctr"/>
+          <a:lstStyle/>
+          <a:p>
+            <a:pPr algn="ctr"/>
+            <a:endParaRPr lang="en-US" dirty="0"/>
+          </a:p>
+        </p:txBody>
+      </p:sp>
+      <p:sp>
+        <p:nvSpPr>
+          <p:cNvPr id="3" name="Tekstvak 2">
+            <a:extLst>
+              <a:ext uri="{FF2B5EF4-FFF2-40B4-BE49-F238E27FC236}">
+                <a16:creationId xmlns:a16="http://schemas.microsoft.com/office/drawing/2014/main" id="{7AD950DB-ED39-4166-8641-C8EA568FD0D2}"/>
+              </a:ext>
+            </a:extLst>
+          </p:cNvPr>
+          <p:cNvSpPr txBox="1"/>
+          <p:nvPr/>
+        </p:nvSpPr>
+        <p:spPr>
+          <a:xfrm>
+            <a:off x="9408823" y="834527"/>
+            <a:ext cx="2440220" cy="461665"/>
+          </a:xfrm>
+          <a:prstGeom prst="rect">
+            <a:avLst/>
+          </a:prstGeom>
+          <a:noFill/>
+        </p:spPr>
+        <p:txBody>
+          <a:bodyPr wrap="none" rtlCol="0">
+            <a:spAutoFit/>
+          </a:bodyPr>
+          <a:lstStyle/>
+          <a:p>
+            <a:r>
+              <a:rPr lang="en-US" sz="2400" dirty="0"/>
+              <a:t>Player = (275,375)</a:t>
+            </a:r>
+          </a:p>
+        </p:txBody>
+      </p:sp>
+      <p:sp>
+        <p:nvSpPr>
+          <p:cNvPr id="5" name="Rechthoek 4">
+            <a:extLst>
+              <a:ext uri="{FF2B5EF4-FFF2-40B4-BE49-F238E27FC236}">
+                <a16:creationId xmlns:a16="http://schemas.microsoft.com/office/drawing/2014/main" id="{AC836C5E-2875-4BE8-A227-8B25FBCA7318}"/>
+              </a:ext>
+            </a:extLst>
+          </p:cNvPr>
+          <p:cNvSpPr/>
+          <p:nvPr/>
+        </p:nvSpPr>
+        <p:spPr>
+          <a:xfrm>
+            <a:off x="4679119" y="1238623"/>
+            <a:ext cx="96081" cy="1392830"/>
+          </a:xfrm>
+          <a:prstGeom prst="rect">
+            <a:avLst/>
+          </a:prstGeom>
+          <a:solidFill>
+            <a:srgbClr val="C00000"/>
+          </a:solidFill>
+          <a:ln>
+            <a:solidFill>
+              <a:srgbClr val="C00000"/>
+            </a:solidFill>
+          </a:ln>
+        </p:spPr>
+        <p:style>
+          <a:lnRef idx="2">
+            <a:schemeClr val="accent1">
+              <a:shade val="50000"/>
+            </a:schemeClr>
+          </a:lnRef>
+          <a:fillRef idx="1">
+            <a:schemeClr val="accent1"/>
+          </a:fillRef>
+          <a:effectRef idx="0">
+            <a:schemeClr val="accent1"/>
+          </a:effectRef>
+          <a:fontRef idx="minor">
+            <a:schemeClr val="lt1"/>
+          </a:fontRef>
+        </p:style>
+        <p:txBody>
+          <a:bodyPr rtlCol="0" anchor="ctr"/>
+          <a:lstStyle/>
+          <a:p>
+            <a:pPr algn="ctr"/>
+            <a:endParaRPr lang="nl-NL"/>
+          </a:p>
+        </p:txBody>
+      </p:sp>
+      <p:pic>
+        <p:nvPicPr>
+          <p:cNvPr id="10" name="Afbeelding 9">
+            <a:extLst>
+              <a:ext uri="{FF2B5EF4-FFF2-40B4-BE49-F238E27FC236}">
+                <a16:creationId xmlns:a16="http://schemas.microsoft.com/office/drawing/2014/main" id="{1476F308-C0AC-4AF8-9842-E3678BB6D7C4}"/>
+              </a:ext>
+            </a:extLst>
+          </p:cNvPr>
+          <p:cNvPicPr>
+            <a:picLocks noChangeAspect="1"/>
+          </p:cNvPicPr>
+          <p:nvPr/>
+        </p:nvPicPr>
+        <p:blipFill>
+          <a:blip r:embed="rId2"/>
+          <a:stretch>
+            <a:fillRect/>
+          </a:stretch>
+        </p:blipFill>
+        <p:spPr>
+          <a:xfrm>
+            <a:off x="9951943" y="2114789"/>
+            <a:ext cx="54869" cy="426757"/>
+          </a:xfrm>
+          <a:prstGeom prst="rect">
+            <a:avLst/>
+          </a:prstGeom>
+        </p:spPr>
+      </p:pic>
+      <p:sp>
+        <p:nvSpPr>
+          <p:cNvPr id="11" name="Tekstvak 10">
+            <a:extLst>
+              <a:ext uri="{FF2B5EF4-FFF2-40B4-BE49-F238E27FC236}">
+                <a16:creationId xmlns:a16="http://schemas.microsoft.com/office/drawing/2014/main" id="{FCFBDB95-E90C-4CBE-9DFA-6C3AF646A0FC}"/>
+              </a:ext>
+            </a:extLst>
+          </p:cNvPr>
+          <p:cNvSpPr txBox="1"/>
+          <p:nvPr/>
+        </p:nvSpPr>
+        <p:spPr>
+          <a:xfrm>
+            <a:off x="9533239" y="2150683"/>
+            <a:ext cx="418704" cy="369332"/>
+          </a:xfrm>
+          <a:prstGeom prst="rect">
+            <a:avLst/>
+          </a:prstGeom>
+          <a:noFill/>
+        </p:spPr>
+        <p:txBody>
+          <a:bodyPr wrap="none" rtlCol="0">
+            <a:spAutoFit/>
+          </a:bodyPr>
+          <a:lstStyle/>
+          <a:p>
+            <a:r>
+              <a:rPr lang="nl-NL" dirty="0"/>
+              <a:t>25</a:t>
+            </a:r>
+          </a:p>
+        </p:txBody>
+      </p:sp>
+      <p:sp>
+        <p:nvSpPr>
+          <p:cNvPr id="12" name="Tekstvak 11">
+            <a:extLst>
+              <a:ext uri="{FF2B5EF4-FFF2-40B4-BE49-F238E27FC236}">
+                <a16:creationId xmlns:a16="http://schemas.microsoft.com/office/drawing/2014/main" id="{1FCC74DD-6E97-4DDA-846D-D55405B1A58A}"/>
+              </a:ext>
+            </a:extLst>
+          </p:cNvPr>
+          <p:cNvSpPr txBox="1"/>
+          <p:nvPr/>
+        </p:nvSpPr>
+        <p:spPr>
+          <a:xfrm>
+            <a:off x="9770025" y="2583739"/>
+            <a:ext cx="418704" cy="369332"/>
+          </a:xfrm>
+          <a:prstGeom prst="rect">
+            <a:avLst/>
+          </a:prstGeom>
+          <a:noFill/>
+        </p:spPr>
+        <p:txBody>
+          <a:bodyPr wrap="none" rtlCol="0">
+            <a:spAutoFit/>
+          </a:bodyPr>
+          <a:lstStyle/>
+          <a:p>
+            <a:r>
+              <a:rPr lang="nl-NL" dirty="0"/>
+              <a:t>10</a:t>
+            </a:r>
+          </a:p>
+        </p:txBody>
+      </p:sp>
+      <p:sp>
+        <p:nvSpPr>
+          <p:cNvPr id="13" name="Tekstvak 12">
+            <a:extLst>
+              <a:ext uri="{FF2B5EF4-FFF2-40B4-BE49-F238E27FC236}">
+                <a16:creationId xmlns:a16="http://schemas.microsoft.com/office/drawing/2014/main" id="{0F7E0E0A-7DE4-4D61-9EA9-5440CD469D5F}"/>
+              </a:ext>
+            </a:extLst>
+          </p:cNvPr>
+          <p:cNvSpPr txBox="1"/>
+          <p:nvPr/>
+        </p:nvSpPr>
+        <p:spPr>
+          <a:xfrm>
+            <a:off x="991542" y="4528034"/>
+            <a:ext cx="8541697" cy="1200329"/>
+          </a:xfrm>
+          <a:prstGeom prst="rect">
+            <a:avLst/>
+          </a:prstGeom>
+          <a:noFill/>
+        </p:spPr>
+        <p:txBody>
+          <a:bodyPr wrap="none" rtlCol="0">
+            <a:spAutoFit/>
+          </a:bodyPr>
+          <a:lstStyle/>
+          <a:p>
+            <a:r>
+              <a:rPr lang="nl-NL" sz="2400" dirty="0"/>
+              <a:t>First we do </a:t>
+            </a:r>
+            <a:r>
+              <a:rPr lang="nl-NL" sz="2400" dirty="0" err="1"/>
+              <a:t>the</a:t>
+            </a:r>
+            <a:r>
+              <a:rPr lang="nl-NL" sz="2400" dirty="0"/>
+              <a:t> </a:t>
+            </a:r>
+            <a:r>
+              <a:rPr lang="nl-NL" sz="2400" dirty="0" err="1"/>
+              <a:t>position</a:t>
+            </a:r>
+            <a:r>
+              <a:rPr lang="nl-NL" sz="2400" dirty="0"/>
+              <a:t> on </a:t>
+            </a:r>
+            <a:r>
+              <a:rPr lang="nl-NL" sz="2400" dirty="0" err="1"/>
+              <a:t>the</a:t>
+            </a:r>
+            <a:r>
+              <a:rPr lang="nl-NL" sz="2400" dirty="0"/>
+              <a:t> x </a:t>
+            </a:r>
+            <a:r>
+              <a:rPr lang="nl-NL" sz="2400" dirty="0" err="1"/>
+              <a:t>axis</a:t>
+            </a:r>
+            <a:r>
+              <a:rPr lang="nl-NL" sz="2400" dirty="0"/>
+              <a:t>, </a:t>
+            </a:r>
+            <a:r>
+              <a:rPr lang="nl-NL" sz="2400" dirty="0" err="1"/>
+              <a:t>for</a:t>
+            </a:r>
+            <a:r>
+              <a:rPr lang="nl-NL" sz="2400" dirty="0"/>
+              <a:t> </a:t>
+            </a:r>
+            <a:r>
+              <a:rPr lang="nl-NL" sz="2400" dirty="0" err="1"/>
+              <a:t>this</a:t>
+            </a:r>
+            <a:r>
+              <a:rPr lang="nl-NL" sz="2400" dirty="0"/>
+              <a:t> we </a:t>
+            </a:r>
+            <a:r>
+              <a:rPr lang="nl-NL" sz="2400" dirty="0" err="1"/>
+              <a:t>need</a:t>
+            </a:r>
+            <a:r>
+              <a:rPr lang="nl-NL" sz="2400" dirty="0"/>
+              <a:t> </a:t>
+            </a:r>
+            <a:r>
+              <a:rPr lang="nl-NL" sz="2400" dirty="0" err="1"/>
+              <a:t>the</a:t>
+            </a:r>
+            <a:r>
+              <a:rPr lang="nl-NL" sz="2400" dirty="0"/>
+              <a:t> </a:t>
+            </a:r>
+            <a:r>
+              <a:rPr lang="nl-NL" sz="2400" dirty="0" err="1"/>
+              <a:t>position</a:t>
+            </a:r>
+            <a:r>
+              <a:rPr lang="nl-NL" sz="2400" dirty="0"/>
+              <a:t> </a:t>
+            </a:r>
+          </a:p>
+          <a:p>
+            <a:r>
+              <a:rPr lang="nl-NL" sz="2400" dirty="0"/>
+              <a:t>of </a:t>
+            </a:r>
+            <a:r>
+              <a:rPr lang="nl-NL" sz="2400" dirty="0" err="1"/>
+              <a:t>the</a:t>
+            </a:r>
+            <a:r>
+              <a:rPr lang="nl-NL" sz="2400" dirty="0"/>
+              <a:t> </a:t>
+            </a:r>
+            <a:r>
+              <a:rPr lang="nl-NL" sz="2400" dirty="0" err="1"/>
+              <a:t>player</a:t>
+            </a:r>
+            <a:r>
+              <a:rPr lang="nl-NL" sz="2400" dirty="0"/>
+              <a:t> on </a:t>
+            </a:r>
+            <a:r>
+              <a:rPr lang="nl-NL" sz="2400" dirty="0" err="1"/>
+              <a:t>this</a:t>
+            </a:r>
+            <a:r>
+              <a:rPr lang="nl-NL" sz="2400" dirty="0"/>
+              <a:t> </a:t>
+            </a:r>
+            <a:r>
+              <a:rPr lang="nl-NL" sz="2400" dirty="0" err="1"/>
+              <a:t>axis</a:t>
+            </a:r>
+            <a:r>
+              <a:rPr lang="nl-NL" sz="2400" dirty="0"/>
+              <a:t>, </a:t>
+            </a:r>
+            <a:r>
+              <a:rPr lang="nl-NL" sz="2400" dirty="0" err="1"/>
+              <a:t>which</a:t>
+            </a:r>
+            <a:r>
+              <a:rPr lang="nl-NL" sz="2400" dirty="0"/>
+              <a:t> is 275 </a:t>
+            </a:r>
+            <a:r>
+              <a:rPr lang="nl-NL" sz="2400" dirty="0" err="1"/>
+              <a:t>and</a:t>
+            </a:r>
+            <a:r>
+              <a:rPr lang="nl-NL" sz="2400" dirty="0"/>
+              <a:t> we </a:t>
+            </a:r>
+            <a:r>
+              <a:rPr lang="nl-NL" sz="2400" dirty="0" err="1"/>
+              <a:t>need</a:t>
+            </a:r>
+            <a:r>
+              <a:rPr lang="nl-NL" sz="2400" dirty="0"/>
+              <a:t> </a:t>
+            </a:r>
+            <a:r>
+              <a:rPr lang="nl-NL" sz="2400" dirty="0" err="1"/>
+              <a:t>the</a:t>
+            </a:r>
+            <a:r>
+              <a:rPr lang="nl-NL" sz="2400" dirty="0"/>
+              <a:t> </a:t>
+            </a:r>
+            <a:r>
+              <a:rPr lang="nl-NL" sz="2400" dirty="0" err="1"/>
+              <a:t>height</a:t>
+            </a:r>
+            <a:r>
+              <a:rPr lang="nl-NL" sz="2400" dirty="0"/>
+              <a:t> </a:t>
+            </a:r>
+          </a:p>
+          <a:p>
+            <a:r>
+              <a:rPr lang="nl-NL" sz="2400" dirty="0"/>
+              <a:t>of </a:t>
+            </a:r>
+            <a:r>
+              <a:rPr lang="nl-NL" sz="2400" dirty="0" err="1"/>
+              <a:t>the</a:t>
+            </a:r>
+            <a:r>
+              <a:rPr lang="nl-NL" sz="2400" dirty="0"/>
+              <a:t> </a:t>
+            </a:r>
+            <a:r>
+              <a:rPr lang="nl-NL" sz="2400" dirty="0" err="1"/>
+              <a:t>player</a:t>
+            </a:r>
+            <a:r>
+              <a:rPr lang="nl-NL" sz="2400" dirty="0"/>
+              <a:t> </a:t>
+            </a:r>
+            <a:r>
+              <a:rPr lang="nl-NL" sz="2400" dirty="0" err="1"/>
+              <a:t>which</a:t>
+            </a:r>
+            <a:r>
+              <a:rPr lang="nl-NL" sz="2400" dirty="0"/>
+              <a:t> is 50.</a:t>
+            </a:r>
+          </a:p>
+        </p:txBody>
+      </p:sp>
+      <p:sp>
+        <p:nvSpPr>
+          <p:cNvPr id="14" name="Tekstvak 13">
+            <a:extLst>
+              <a:ext uri="{FF2B5EF4-FFF2-40B4-BE49-F238E27FC236}">
+                <a16:creationId xmlns:a16="http://schemas.microsoft.com/office/drawing/2014/main" id="{291052B8-3055-4B8C-9081-229C0F3E8C5C}"/>
+              </a:ext>
+            </a:extLst>
+          </p:cNvPr>
+          <p:cNvSpPr txBox="1"/>
+          <p:nvPr/>
+        </p:nvSpPr>
+        <p:spPr>
+          <a:xfrm>
+            <a:off x="991542" y="5726051"/>
+            <a:ext cx="6117380" cy="461665"/>
+          </a:xfrm>
+          <a:prstGeom prst="rect">
+            <a:avLst/>
+          </a:prstGeom>
+          <a:noFill/>
+        </p:spPr>
+        <p:txBody>
+          <a:bodyPr wrap="none" rtlCol="0">
+            <a:spAutoFit/>
+          </a:bodyPr>
+          <a:lstStyle/>
+          <a:p>
+            <a:r>
+              <a:rPr lang="nl-NL" sz="2400" dirty="0"/>
+              <a:t>The </a:t>
+            </a:r>
+            <a:r>
+              <a:rPr lang="nl-NL" sz="2400" dirty="0" err="1"/>
+              <a:t>position</a:t>
+            </a:r>
+            <a:r>
+              <a:rPr lang="nl-NL" sz="2400" dirty="0"/>
+              <a:t> </a:t>
+            </a:r>
+            <a:r>
+              <a:rPr lang="nl-NL" sz="2400" dirty="0" err="1"/>
+              <a:t>will</a:t>
+            </a:r>
+            <a:r>
+              <a:rPr lang="nl-NL" sz="2400" dirty="0"/>
+              <a:t> </a:t>
+            </a:r>
+            <a:r>
+              <a:rPr lang="nl-NL" sz="2400" dirty="0" err="1"/>
+              <a:t>be</a:t>
+            </a:r>
+            <a:r>
+              <a:rPr lang="nl-NL" sz="2400" dirty="0"/>
+              <a:t>: 375 + (50/2) – (10/2) = 395</a:t>
+            </a:r>
+          </a:p>
+        </p:txBody>
+      </p:sp>
+    </p:spTree>
+    <p:extLst>
+      <p:ext uri="{BB962C8B-B14F-4D97-AF65-F5344CB8AC3E}">
+        <p14:creationId xmlns:p14="http://schemas.microsoft.com/office/powerpoint/2010/main" val="83647703"/>
+      </p:ext>
+    </p:extLst>
+  </p:cSld>
+  <p:clrMapOvr>
+    <a:masterClrMapping/>
+  </p:clrMapOvr>
+</p:sld>
+</file>
+
+<file path=ppt/slides/slide24.xml><?xml version="1.0" encoding="utf-8"?>
+<p:sld xmlns:a="http://schemas.openxmlformats.org/drawingml/2006/main" xmlns:r="http://schemas.openxmlformats.org/officeDocument/2006/relationships" xmlns:p="http://schemas.openxmlformats.org/presentationml/2006/main">
+  <p:cSld>
+    <p:spTree>
+      <p:nvGrpSpPr>
+        <p:cNvPr id="1" name=""/>
+        <p:cNvGrpSpPr/>
+        <p:nvPr/>
+      </p:nvGrpSpPr>
+      <p:grpSpPr>
+        <a:xfrm>
+          <a:off x="0" y="0"/>
+          <a:ext cx="0" cy="0"/>
+          <a:chOff x="0" y="0"/>
+          <a:chExt cx="0" cy="0"/>
+        </a:xfrm>
+      </p:grpSpPr>
+      <p:sp>
+        <p:nvSpPr>
+          <p:cNvPr id="4" name="Titel 1">
+            <a:extLst>
+              <a:ext uri="{FF2B5EF4-FFF2-40B4-BE49-F238E27FC236}">
+                <a16:creationId xmlns:a16="http://schemas.microsoft.com/office/drawing/2014/main" id="{AA41E1D6-2FD6-4FC3-8D03-4E959282C273}"/>
               </a:ext>
             </a:extLst>
           </p:cNvPr>
@@ -7845,15 +9716,196 @@
               <a:rPr lang="en-US" dirty="0">
                 <a:latin typeface="+mj-lt"/>
               </a:rPr>
-              <a:t>Summary</a:t>
-            </a:r>
+              <a:t>Purpose</a:t>
+            </a:r>
+          </a:p>
+        </p:txBody>
+      </p:sp>
+      <p:sp>
+        <p:nvSpPr>
+          <p:cNvPr id="2" name="Tekstvak 1">
+            <a:extLst>
+              <a:ext uri="{FF2B5EF4-FFF2-40B4-BE49-F238E27FC236}">
+                <a16:creationId xmlns:a16="http://schemas.microsoft.com/office/drawing/2014/main" id="{3DC3D85E-C421-451F-99D9-A95FB9684CC2}"/>
+              </a:ext>
+            </a:extLst>
+          </p:cNvPr>
+          <p:cNvSpPr txBox="1"/>
+          <p:nvPr/>
+        </p:nvSpPr>
+        <p:spPr>
+          <a:xfrm>
+            <a:off x="838200" y="1690688"/>
+            <a:ext cx="4799263" cy="1200329"/>
+          </a:xfrm>
+          <a:prstGeom prst="rect">
+            <a:avLst/>
+          </a:prstGeom>
+          <a:noFill/>
+        </p:spPr>
+        <p:txBody>
+          <a:bodyPr wrap="none" rtlCol="0">
+            <a:spAutoFit/>
+          </a:bodyPr>
+          <a:lstStyle/>
+          <a:p>
+            <a:pPr marL="285750" indent="-285750">
+              <a:buFont typeface="Arial" panose="020B0604020202020204" pitchFamily="34" charset="0"/>
+              <a:buChar char="•"/>
+            </a:pPr>
+            <a:r>
+              <a:rPr lang="nl-NL" sz="2400" dirty="0" err="1"/>
+              <a:t>Recognizing</a:t>
+            </a:r>
+            <a:r>
+              <a:rPr lang="nl-NL" sz="2400" dirty="0"/>
+              <a:t> logic in code</a:t>
+            </a:r>
+          </a:p>
+          <a:p>
+            <a:pPr marL="285750" indent="-285750">
+              <a:buFont typeface="Arial" panose="020B0604020202020204" pitchFamily="34" charset="0"/>
+              <a:buChar char="•"/>
+            </a:pPr>
+            <a:r>
+              <a:rPr lang="nl-NL" sz="2400" dirty="0" err="1"/>
+              <a:t>To</a:t>
+            </a:r>
+            <a:r>
+              <a:rPr lang="nl-NL" sz="2400" dirty="0"/>
+              <a:t> combine logic </a:t>
+            </a:r>
+            <a:r>
+              <a:rPr lang="nl-NL" sz="2400" dirty="0" err="1"/>
+              <a:t>with</a:t>
+            </a:r>
+            <a:r>
+              <a:rPr lang="nl-NL" sz="2400" dirty="0"/>
+              <a:t> </a:t>
+            </a:r>
+            <a:r>
+              <a:rPr lang="nl-NL" sz="2400" dirty="0" err="1"/>
+              <a:t>writing</a:t>
+            </a:r>
+            <a:r>
+              <a:rPr lang="nl-NL" sz="2400" dirty="0"/>
+              <a:t> code</a:t>
+            </a:r>
+          </a:p>
+          <a:p>
+            <a:pPr marL="285750" indent="-285750">
+              <a:buFont typeface="Arial" panose="020B0604020202020204" pitchFamily="34" charset="0"/>
+              <a:buChar char="•"/>
+            </a:pPr>
+            <a:endParaRPr lang="nl-NL" sz="2400" dirty="0"/>
           </a:p>
         </p:txBody>
       </p:sp>
     </p:spTree>
     <p:extLst>
       <p:ext uri="{BB962C8B-B14F-4D97-AF65-F5344CB8AC3E}">
-        <p14:creationId xmlns:p14="http://schemas.microsoft.com/office/powerpoint/2010/main" val="1031968100"/>
+        <p14:creationId xmlns:p14="http://schemas.microsoft.com/office/powerpoint/2010/main" val="2502596526"/>
+      </p:ext>
+    </p:extLst>
+  </p:cSld>
+  <p:clrMapOvr>
+    <a:masterClrMapping/>
+  </p:clrMapOvr>
+</p:sld>
+</file>
+
+<file path=ppt/slides/slide25.xml><?xml version="1.0" encoding="utf-8"?>
+<p:sld xmlns:a="http://schemas.openxmlformats.org/drawingml/2006/main" xmlns:r="http://schemas.openxmlformats.org/officeDocument/2006/relationships" xmlns:p="http://schemas.openxmlformats.org/presentationml/2006/main">
+  <p:cSld>
+    <p:spTree>
+      <p:nvGrpSpPr>
+        <p:cNvPr id="1" name=""/>
+        <p:cNvGrpSpPr/>
+        <p:nvPr/>
+      </p:nvGrpSpPr>
+      <p:grpSpPr>
+        <a:xfrm>
+          <a:off x="0" y="0"/>
+          <a:ext cx="0" cy="0"/>
+          <a:chOff x="0" y="0"/>
+          <a:chExt cx="0" cy="0"/>
+        </a:xfrm>
+      </p:grpSpPr>
+      <p:sp>
+        <p:nvSpPr>
+          <p:cNvPr id="6" name="Tekstvak 5">
+            <a:extLst>
+              <a:ext uri="{FF2B5EF4-FFF2-40B4-BE49-F238E27FC236}">
+                <a16:creationId xmlns:a16="http://schemas.microsoft.com/office/drawing/2014/main" id="{A8D4D2BE-F7CC-4C42-ADD7-8BCE9C787A7E}"/>
+              </a:ext>
+            </a:extLst>
+          </p:cNvPr>
+          <p:cNvSpPr txBox="1"/>
+          <p:nvPr/>
+        </p:nvSpPr>
+        <p:spPr>
+          <a:xfrm>
+            <a:off x="2708983" y="2844225"/>
+            <a:ext cx="6774034" cy="584775"/>
+          </a:xfrm>
+          <a:prstGeom prst="rect">
+            <a:avLst/>
+          </a:prstGeom>
+          <a:noFill/>
+        </p:spPr>
+        <p:txBody>
+          <a:bodyPr wrap="none" rtlCol="0">
+            <a:spAutoFit/>
+          </a:bodyPr>
+          <a:lstStyle/>
+          <a:p>
+            <a:r>
+              <a:rPr lang="nl-NL" sz="3200" dirty="0" err="1"/>
+              <a:t>What</a:t>
+            </a:r>
+            <a:r>
+              <a:rPr lang="nl-NL" sz="3200" dirty="0"/>
+              <a:t> is </a:t>
+            </a:r>
+            <a:r>
+              <a:rPr lang="nl-NL" sz="3200" dirty="0" err="1"/>
+              <a:t>your</a:t>
+            </a:r>
+            <a:r>
+              <a:rPr lang="nl-NL" sz="3200" dirty="0"/>
+              <a:t> opinion </a:t>
+            </a:r>
+            <a:r>
+              <a:rPr lang="nl-NL" sz="3200" dirty="0" err="1"/>
+              <a:t>about</a:t>
+            </a:r>
+            <a:r>
+              <a:rPr lang="nl-NL" sz="3200" dirty="0"/>
+              <a:t> </a:t>
+            </a:r>
+            <a:r>
+              <a:rPr lang="nl-NL" sz="3200" dirty="0" err="1"/>
+              <a:t>this</a:t>
+            </a:r>
+            <a:r>
+              <a:rPr lang="nl-NL" sz="3200" dirty="0"/>
+              <a:t> </a:t>
+            </a:r>
+            <a:r>
+              <a:rPr lang="nl-NL" sz="3200" dirty="0" err="1"/>
+              <a:t>lesson</a:t>
+            </a:r>
+            <a:r>
+              <a:rPr lang="nl-NL" sz="3200" dirty="0"/>
+              <a:t>?</a:t>
+            </a:r>
+          </a:p>
+        </p:txBody>
+      </p:sp>
+    </p:spTree>
+    <p:extLst>
+      <p:ext uri="{BB962C8B-B14F-4D97-AF65-F5344CB8AC3E}">
+        <p14:creationId xmlns:p14="http://schemas.microsoft.com/office/powerpoint/2010/main" val="1888677952"/>
       </p:ext>
     </p:extLst>
   </p:cSld>
@@ -7882,162 +9934,73 @@
       </p:grpSpPr>
       <p:sp>
         <p:nvSpPr>
-          <p:cNvPr id="4" name="Rechthoek 3">
-            <a:extLst>
-              <a:ext uri="{FF2B5EF4-FFF2-40B4-BE49-F238E27FC236}">
-                <a16:creationId xmlns:a16="http://schemas.microsoft.com/office/drawing/2014/main" id="{A5B833BD-2B36-467E-91C9-35A08D5ADA1E}"/>
-              </a:ext>
-            </a:extLst>
-          </p:cNvPr>
-          <p:cNvSpPr/>
-          <p:nvPr/>
-        </p:nvSpPr>
-        <p:spPr>
-          <a:xfrm>
-            <a:off x="1402671" y="278510"/>
-            <a:ext cx="7261934" cy="4358936"/>
-          </a:xfrm>
-          <a:prstGeom prst="rect">
-            <a:avLst/>
-          </a:prstGeom>
-          <a:solidFill>
-            <a:schemeClr val="tx1"/>
-          </a:solidFill>
-        </p:spPr>
-        <p:style>
-          <a:lnRef idx="2">
-            <a:schemeClr val="accent1">
-              <a:shade val="50000"/>
-            </a:schemeClr>
-          </a:lnRef>
-          <a:fillRef idx="1">
-            <a:schemeClr val="accent1"/>
-          </a:fillRef>
-          <a:effectRef idx="0">
-            <a:schemeClr val="accent1"/>
-          </a:effectRef>
-          <a:fontRef idx="minor">
-            <a:schemeClr val="lt1"/>
-          </a:fontRef>
-        </p:style>
-        <p:txBody>
-          <a:bodyPr rtlCol="0" anchor="ctr"/>
-          <a:lstStyle/>
-          <a:p>
-            <a:pPr algn="ctr"/>
-            <a:endParaRPr lang="en-US"/>
-          </a:p>
-        </p:txBody>
-      </p:sp>
-      <p:sp>
-        <p:nvSpPr>
-          <p:cNvPr id="5" name="Tekstvak 4">
-            <a:extLst>
-              <a:ext uri="{FF2B5EF4-FFF2-40B4-BE49-F238E27FC236}">
-                <a16:creationId xmlns:a16="http://schemas.microsoft.com/office/drawing/2014/main" id="{ED7DCF49-B594-4A8E-A4C3-C675F6E4C535}"/>
-              </a:ext>
-            </a:extLst>
-          </p:cNvPr>
-          <p:cNvSpPr txBox="1"/>
-          <p:nvPr/>
-        </p:nvSpPr>
-        <p:spPr>
-          <a:xfrm>
-            <a:off x="3006576" y="5610687"/>
-            <a:ext cx="4054123" cy="523220"/>
-          </a:xfrm>
-          <a:prstGeom prst="rect">
-            <a:avLst/>
-          </a:prstGeom>
-          <a:noFill/>
-        </p:spPr>
-        <p:txBody>
-          <a:bodyPr wrap="none" rtlCol="0">
-            <a:spAutoFit/>
-          </a:bodyPr>
-          <a:lstStyle/>
-          <a:p>
-            <a:r>
-              <a:rPr lang="en-US" sz="2800" dirty="0"/>
-              <a:t>We have a grid of 800x600</a:t>
-            </a:r>
-          </a:p>
-        </p:txBody>
-      </p:sp>
-      <p:sp>
-        <p:nvSpPr>
-          <p:cNvPr id="6" name="Tekstvak 5">
-            <a:extLst>
-              <a:ext uri="{FF2B5EF4-FFF2-40B4-BE49-F238E27FC236}">
-                <a16:creationId xmlns:a16="http://schemas.microsoft.com/office/drawing/2014/main" id="{C5DC41FC-5314-41AC-AC39-65079A9306AA}"/>
-              </a:ext>
-            </a:extLst>
-          </p:cNvPr>
-          <p:cNvSpPr txBox="1"/>
-          <p:nvPr/>
-        </p:nvSpPr>
-        <p:spPr>
-          <a:xfrm>
-            <a:off x="4621312" y="4637446"/>
-            <a:ext cx="1093569" cy="461665"/>
-          </a:xfrm>
-          <a:prstGeom prst="rect">
-            <a:avLst/>
-          </a:prstGeom>
-          <a:noFill/>
-        </p:spPr>
-        <p:txBody>
-          <a:bodyPr wrap="none" rtlCol="0">
-            <a:spAutoFit/>
-          </a:bodyPr>
-          <a:lstStyle/>
-          <a:p>
-            <a:r>
-              <a:rPr lang="en-US" sz="2400" dirty="0"/>
-              <a:t>Y = 800</a:t>
-            </a:r>
-          </a:p>
-        </p:txBody>
-      </p:sp>
-      <p:sp>
-        <p:nvSpPr>
-          <p:cNvPr id="7" name="Tekstvak 6">
-            <a:extLst>
-              <a:ext uri="{FF2B5EF4-FFF2-40B4-BE49-F238E27FC236}">
-                <a16:creationId xmlns:a16="http://schemas.microsoft.com/office/drawing/2014/main" id="{F4157EF1-91D2-4D94-966B-98D59CB43F3E}"/>
-              </a:ext>
-            </a:extLst>
-          </p:cNvPr>
-          <p:cNvSpPr txBox="1"/>
-          <p:nvPr/>
-        </p:nvSpPr>
-        <p:spPr>
-          <a:xfrm>
-            <a:off x="299484" y="2267791"/>
-            <a:ext cx="1103187" cy="461665"/>
-          </a:xfrm>
-          <a:prstGeom prst="rect">
-            <a:avLst/>
-          </a:prstGeom>
-          <a:noFill/>
-        </p:spPr>
-        <p:txBody>
-          <a:bodyPr wrap="none" rtlCol="0">
-            <a:spAutoFit/>
-          </a:bodyPr>
-          <a:lstStyle/>
-          <a:p>
-            <a:r>
-              <a:rPr lang="en-US" sz="2400" dirty="0"/>
-              <a:t>X = 600</a:t>
-            </a:r>
-          </a:p>
-        </p:txBody>
-      </p:sp>
+          <p:cNvPr id="4" name="Titel 1">
+            <a:extLst>
+              <a:ext uri="{FF2B5EF4-FFF2-40B4-BE49-F238E27FC236}">
+                <a16:creationId xmlns:a16="http://schemas.microsoft.com/office/drawing/2014/main" id="{AA41E1D6-2FD6-4FC3-8D03-4E959282C273}"/>
+              </a:ext>
+            </a:extLst>
+          </p:cNvPr>
+          <p:cNvSpPr>
+            <a:spLocks noGrp="1"/>
+          </p:cNvSpPr>
+          <p:nvPr>
+            <p:ph type="title"/>
+          </p:nvPr>
+        </p:nvSpPr>
+        <p:spPr>
+          <a:xfrm>
+            <a:off x="838200" y="365125"/>
+            <a:ext cx="10515600" cy="1325563"/>
+          </a:xfrm>
+        </p:spPr>
+        <p:txBody>
+          <a:bodyPr/>
+          <a:lstStyle/>
+          <a:p>
+            <a:r>
+              <a:rPr lang="en-US" dirty="0">
+                <a:latin typeface="+mj-lt"/>
+              </a:rPr>
+              <a:t>Example</a:t>
+            </a:r>
+          </a:p>
+        </p:txBody>
+      </p:sp>
+      <p:pic>
+        <p:nvPicPr>
+          <p:cNvPr id="5" name="Afbeelding 4">
+            <a:extLst>
+              <a:ext uri="{FF2B5EF4-FFF2-40B4-BE49-F238E27FC236}">
+                <a16:creationId xmlns:a16="http://schemas.microsoft.com/office/drawing/2014/main" id="{8679ABDF-0B9E-4E02-8B83-D70550EE668C}"/>
+              </a:ext>
+            </a:extLst>
+          </p:cNvPr>
+          <p:cNvPicPr>
+            <a:picLocks noChangeAspect="1"/>
+          </p:cNvPicPr>
+          <p:nvPr/>
+        </p:nvPicPr>
+        <p:blipFill>
+          <a:blip r:embed="rId2"/>
+          <a:stretch>
+            <a:fillRect/>
+          </a:stretch>
+        </p:blipFill>
+        <p:spPr>
+          <a:xfrm>
+            <a:off x="2195512" y="1690688"/>
+            <a:ext cx="7800975" cy="3438525"/>
+          </a:xfrm>
+          <a:prstGeom prst="rect">
+            <a:avLst/>
+          </a:prstGeom>
+        </p:spPr>
+      </p:pic>
     </p:spTree>
     <p:extLst>
       <p:ext uri="{BB962C8B-B14F-4D97-AF65-F5344CB8AC3E}">
-        <p14:creationId xmlns:p14="http://schemas.microsoft.com/office/powerpoint/2010/main" val="1888180252"/>
+        <p14:creationId xmlns:p14="http://schemas.microsoft.com/office/powerpoint/2010/main" val="2993747941"/>
       </p:ext>
     </p:extLst>
   </p:cSld>
@@ -8078,7 +10041,7 @@
         </p:nvSpPr>
         <p:spPr>
           <a:xfrm>
-            <a:off x="1402671" y="228600"/>
+            <a:off x="1402671" y="278510"/>
             <a:ext cx="7261934" cy="4358936"/>
           </a:xfrm>
           <a:prstGeom prst="rect">
@@ -8127,8 +10090,8 @@
         </p:nvSpPr>
         <p:spPr>
           <a:xfrm>
-            <a:off x="3298258" y="5592932"/>
-            <a:ext cx="3470758" cy="461665"/>
+            <a:off x="3006576" y="5610687"/>
+            <a:ext cx="4054123" cy="523220"/>
           </a:xfrm>
           <a:prstGeom prst="rect">
             <a:avLst/>
@@ -8142,8 +10105,8 @@
           <a:lstStyle/>
           <a:p>
             <a:r>
-              <a:rPr lang="en-US" sz="2400" dirty="0"/>
-              <a:t>We have a player of 50x50</a:t>
+              <a:rPr lang="en-US" sz="2800" dirty="0"/>
+              <a:t>We have a grid of 800x600</a:t>
             </a:r>
           </a:p>
         </p:txBody>
@@ -8162,8 +10125,8 @@
         </p:nvSpPr>
         <p:spPr>
           <a:xfrm>
-            <a:off x="4599063" y="4689830"/>
-            <a:ext cx="869149" cy="369332"/>
+            <a:off x="4621312" y="4637446"/>
+            <a:ext cx="1093569" cy="461665"/>
           </a:xfrm>
           <a:prstGeom prst="rect">
             <a:avLst/>
@@ -8177,7 +10140,7 @@
           <a:lstStyle/>
           <a:p>
             <a:r>
-              <a:rPr lang="en-US" dirty="0"/>
+              <a:rPr lang="en-US" sz="2400" dirty="0"/>
               <a:t>Y = 800</a:t>
             </a:r>
           </a:p>
@@ -8197,8 +10160,8 @@
         </p:nvSpPr>
         <p:spPr>
           <a:xfrm>
-            <a:off x="525508" y="2223402"/>
-            <a:ext cx="877163" cy="369332"/>
+            <a:off x="299484" y="2267791"/>
+            <a:ext cx="1103187" cy="461665"/>
           </a:xfrm>
           <a:prstGeom prst="rect">
             <a:avLst/>
@@ -8212,127 +10175,8 @@
           <a:lstStyle/>
           <a:p>
             <a:r>
-              <a:rPr lang="en-US" dirty="0"/>
+              <a:rPr lang="en-US" sz="2400" dirty="0"/>
               <a:t>X = 600</a:t>
-            </a:r>
-          </a:p>
-        </p:txBody>
-      </p:sp>
-      <p:sp>
-        <p:nvSpPr>
-          <p:cNvPr id="2" name="Rechthoek 1">
-            <a:extLst>
-              <a:ext uri="{FF2B5EF4-FFF2-40B4-BE49-F238E27FC236}">
-                <a16:creationId xmlns:a16="http://schemas.microsoft.com/office/drawing/2014/main" id="{72D8658A-BBED-43DA-A30B-66B3AF1810F9}"/>
-              </a:ext>
-            </a:extLst>
-          </p:cNvPr>
-          <p:cNvSpPr/>
-          <p:nvPr/>
-        </p:nvSpPr>
-        <p:spPr>
-          <a:xfrm>
-            <a:off x="9770602" y="2608270"/>
-            <a:ext cx="852257" cy="772358"/>
-          </a:xfrm>
-          <a:prstGeom prst="rect">
-            <a:avLst/>
-          </a:prstGeom>
-          <a:solidFill>
-            <a:srgbClr val="00B050"/>
-          </a:solidFill>
-        </p:spPr>
-        <p:style>
-          <a:lnRef idx="2">
-            <a:schemeClr val="accent1">
-              <a:shade val="50000"/>
-            </a:schemeClr>
-          </a:lnRef>
-          <a:fillRef idx="1">
-            <a:schemeClr val="accent1"/>
-          </a:fillRef>
-          <a:effectRef idx="0">
-            <a:schemeClr val="accent1"/>
-          </a:effectRef>
-          <a:fontRef idx="minor">
-            <a:schemeClr val="lt1"/>
-          </a:fontRef>
-        </p:style>
-        <p:txBody>
-          <a:bodyPr rtlCol="0" anchor="ctr"/>
-          <a:lstStyle/>
-          <a:p>
-            <a:pPr algn="ctr"/>
-            <a:endParaRPr lang="en-US"/>
-          </a:p>
-        </p:txBody>
-      </p:sp>
-      <p:sp>
-        <p:nvSpPr>
-          <p:cNvPr id="3" name="Tekstvak 2">
-            <a:extLst>
-              <a:ext uri="{FF2B5EF4-FFF2-40B4-BE49-F238E27FC236}">
-                <a16:creationId xmlns:a16="http://schemas.microsoft.com/office/drawing/2014/main" id="{C89D4DDE-45E2-4A8A-B942-EFACBF30C4B1}"/>
-              </a:ext>
-            </a:extLst>
-          </p:cNvPr>
-          <p:cNvSpPr txBox="1"/>
-          <p:nvPr/>
-        </p:nvSpPr>
-        <p:spPr>
-          <a:xfrm>
-            <a:off x="9987378" y="3380628"/>
-            <a:ext cx="418704" cy="369332"/>
-          </a:xfrm>
-          <a:prstGeom prst="rect">
-            <a:avLst/>
-          </a:prstGeom>
-          <a:noFill/>
-        </p:spPr>
-        <p:txBody>
-          <a:bodyPr wrap="none" rtlCol="0">
-            <a:spAutoFit/>
-          </a:bodyPr>
-          <a:lstStyle/>
-          <a:p>
-            <a:r>
-              <a:rPr lang="en-US" dirty="0"/>
-              <a:t>50</a:t>
-            </a:r>
-          </a:p>
-        </p:txBody>
-      </p:sp>
-      <p:sp>
-        <p:nvSpPr>
-          <p:cNvPr id="8" name="Tekstvak 7">
-            <a:extLst>
-              <a:ext uri="{FF2B5EF4-FFF2-40B4-BE49-F238E27FC236}">
-                <a16:creationId xmlns:a16="http://schemas.microsoft.com/office/drawing/2014/main" id="{B3B56B89-E6F2-4D9A-A296-C665DFF7094B}"/>
-              </a:ext>
-            </a:extLst>
-          </p:cNvPr>
-          <p:cNvSpPr txBox="1"/>
-          <p:nvPr/>
-        </p:nvSpPr>
-        <p:spPr>
-          <a:xfrm>
-            <a:off x="9332416" y="2809783"/>
-            <a:ext cx="418704" cy="369332"/>
-          </a:xfrm>
-          <a:prstGeom prst="rect">
-            <a:avLst/>
-          </a:prstGeom>
-          <a:noFill/>
-        </p:spPr>
-        <p:txBody>
-          <a:bodyPr wrap="none" rtlCol="0">
-            <a:spAutoFit/>
-          </a:bodyPr>
-          <a:lstStyle/>
-          <a:p>
-            <a:r>
-              <a:rPr lang="en-US" dirty="0"/>
-              <a:t>50</a:t>
             </a:r>
           </a:p>
         </p:txBody>
@@ -8340,7 +10184,7 @@
     </p:spTree>
     <p:extLst>
       <p:ext uri="{BB962C8B-B14F-4D97-AF65-F5344CB8AC3E}">
-        <p14:creationId xmlns:p14="http://schemas.microsoft.com/office/powerpoint/2010/main" val="1517890984"/>
+        <p14:creationId xmlns:p14="http://schemas.microsoft.com/office/powerpoint/2010/main" val="1888180252"/>
       </p:ext>
     </p:extLst>
   </p:cSld>
@@ -8430,8 +10274,8 @@
         </p:nvSpPr>
         <p:spPr>
           <a:xfrm>
-            <a:off x="1477471" y="5575176"/>
-            <a:ext cx="7112332" cy="461665"/>
+            <a:off x="3298258" y="5592932"/>
+            <a:ext cx="3470758" cy="461665"/>
           </a:xfrm>
           <a:prstGeom prst="rect">
             <a:avLst/>
@@ -8446,7 +10290,7 @@
           <a:p>
             <a:r>
               <a:rPr lang="en-US" sz="2400" dirty="0"/>
-              <a:t>We want to place the player in the middle of the screen</a:t>
+              <a:t>We have a player of 50x50</a:t>
             </a:r>
           </a:p>
         </p:txBody>
@@ -8535,7 +10379,7 @@
         </p:nvSpPr>
         <p:spPr>
           <a:xfrm>
-            <a:off x="4589522" y="2021889"/>
+            <a:off x="9770602" y="2608270"/>
             <a:ext cx="852257" cy="772358"/>
           </a:xfrm>
           <a:prstGeom prst="rect">
@@ -8544,11 +10388,6 @@
           <a:solidFill>
             <a:srgbClr val="00B050"/>
           </a:solidFill>
-          <a:ln>
-            <a:solidFill>
-              <a:srgbClr val="00B050"/>
-            </a:solidFill>
-          </a:ln>
         </p:spPr>
         <p:style>
           <a:lnRef idx="2">
@@ -8571,14 +10410,84 @@
           <a:lstStyle/>
           <a:p>
             <a:pPr algn="ctr"/>
-            <a:endParaRPr lang="en-US" dirty="0"/>
+            <a:endParaRPr lang="en-US"/>
+          </a:p>
+        </p:txBody>
+      </p:sp>
+      <p:sp>
+        <p:nvSpPr>
+          <p:cNvPr id="3" name="Tekstvak 2">
+            <a:extLst>
+              <a:ext uri="{FF2B5EF4-FFF2-40B4-BE49-F238E27FC236}">
+                <a16:creationId xmlns:a16="http://schemas.microsoft.com/office/drawing/2014/main" id="{C89D4DDE-45E2-4A8A-B942-EFACBF30C4B1}"/>
+              </a:ext>
+            </a:extLst>
+          </p:cNvPr>
+          <p:cNvSpPr txBox="1"/>
+          <p:nvPr/>
+        </p:nvSpPr>
+        <p:spPr>
+          <a:xfrm>
+            <a:off x="9987378" y="3380628"/>
+            <a:ext cx="418704" cy="369332"/>
+          </a:xfrm>
+          <a:prstGeom prst="rect">
+            <a:avLst/>
+          </a:prstGeom>
+          <a:noFill/>
+        </p:spPr>
+        <p:txBody>
+          <a:bodyPr wrap="none" rtlCol="0">
+            <a:spAutoFit/>
+          </a:bodyPr>
+          <a:lstStyle/>
+          <a:p>
+            <a:r>
+              <a:rPr lang="en-US" dirty="0"/>
+              <a:t>50</a:t>
+            </a:r>
+          </a:p>
+        </p:txBody>
+      </p:sp>
+      <p:sp>
+        <p:nvSpPr>
+          <p:cNvPr id="8" name="Tekstvak 7">
+            <a:extLst>
+              <a:ext uri="{FF2B5EF4-FFF2-40B4-BE49-F238E27FC236}">
+                <a16:creationId xmlns:a16="http://schemas.microsoft.com/office/drawing/2014/main" id="{B3B56B89-E6F2-4D9A-A296-C665DFF7094B}"/>
+              </a:ext>
+            </a:extLst>
+          </p:cNvPr>
+          <p:cNvSpPr txBox="1"/>
+          <p:nvPr/>
+        </p:nvSpPr>
+        <p:spPr>
+          <a:xfrm>
+            <a:off x="9332416" y="2809783"/>
+            <a:ext cx="418704" cy="369332"/>
+          </a:xfrm>
+          <a:prstGeom prst="rect">
+            <a:avLst/>
+          </a:prstGeom>
+          <a:noFill/>
+        </p:spPr>
+        <p:txBody>
+          <a:bodyPr wrap="none" rtlCol="0">
+            <a:spAutoFit/>
+          </a:bodyPr>
+          <a:lstStyle/>
+          <a:p>
+            <a:r>
+              <a:rPr lang="en-US" dirty="0"/>
+              <a:t>50</a:t>
+            </a:r>
           </a:p>
         </p:txBody>
       </p:sp>
     </p:spTree>
     <p:extLst>
       <p:ext uri="{BB962C8B-B14F-4D97-AF65-F5344CB8AC3E}">
-        <p14:creationId xmlns:p14="http://schemas.microsoft.com/office/powerpoint/2010/main" val="3109897792"/>
+        <p14:creationId xmlns:p14="http://schemas.microsoft.com/office/powerpoint/2010/main" val="1517890984"/>
       </p:ext>
     </p:extLst>
   </p:cSld>
@@ -8668,8 +10577,8 @@
         </p:nvSpPr>
         <p:spPr>
           <a:xfrm>
-            <a:off x="942997" y="5579147"/>
-            <a:ext cx="8181279" cy="461665"/>
+            <a:off x="1477471" y="5575176"/>
+            <a:ext cx="7112332" cy="461665"/>
           </a:xfrm>
           <a:prstGeom prst="rect">
             <a:avLst/>
@@ -8684,7 +10593,7 @@
           <a:p>
             <a:r>
               <a:rPr lang="en-US" sz="2400" dirty="0"/>
-              <a:t>If we place the player on (0,0) it will be in the bottom left corner</a:t>
+              <a:t>We want to place the player in the middle of the screen</a:t>
             </a:r>
           </a:p>
         </p:txBody>
@@ -8773,7 +10682,7 @@
         </p:nvSpPr>
         <p:spPr>
           <a:xfrm>
-            <a:off x="1402671" y="3815178"/>
+            <a:off x="4589522" y="2021889"/>
             <a:ext cx="852257" cy="772358"/>
           </a:xfrm>
           <a:prstGeom prst="rect">
@@ -8816,7 +10725,7 @@
     </p:spTree>
     <p:extLst>
       <p:ext uri="{BB962C8B-B14F-4D97-AF65-F5344CB8AC3E}">
-        <p14:creationId xmlns:p14="http://schemas.microsoft.com/office/powerpoint/2010/main" val="2816954229"/>
+        <p14:creationId xmlns:p14="http://schemas.microsoft.com/office/powerpoint/2010/main" val="3109897792"/>
       </p:ext>
     </p:extLst>
   </p:cSld>
@@ -8906,8 +10815,8 @@
         </p:nvSpPr>
         <p:spPr>
           <a:xfrm>
-            <a:off x="2392331" y="5293298"/>
-            <a:ext cx="5904052" cy="461665"/>
+            <a:off x="942997" y="5579147"/>
+            <a:ext cx="8181279" cy="461665"/>
           </a:xfrm>
           <a:prstGeom prst="rect">
             <a:avLst/>
@@ -8922,7 +10831,7 @@
           <a:p>
             <a:r>
               <a:rPr lang="en-US" sz="2400" dirty="0"/>
-              <a:t>What vector is needed to get it in the middle?</a:t>
+              <a:t>If we place the player on (0,0) it will be in the bottom left corner</a:t>
             </a:r>
           </a:p>
         </p:txBody>
@@ -9011,7 +10920,7 @@
         </p:nvSpPr>
         <p:spPr>
           <a:xfrm>
-            <a:off x="4492100" y="1941989"/>
+            <a:off x="1402671" y="3815178"/>
             <a:ext cx="852257" cy="772358"/>
           </a:xfrm>
           <a:prstGeom prst="rect">
@@ -9051,53 +10960,10 @@
           </a:p>
         </p:txBody>
       </p:sp>
-      <p:sp>
-        <p:nvSpPr>
-          <p:cNvPr id="3" name="Tekstvak 2">
-            <a:extLst>
-              <a:ext uri="{FF2B5EF4-FFF2-40B4-BE49-F238E27FC236}">
-                <a16:creationId xmlns:a16="http://schemas.microsoft.com/office/drawing/2014/main" id="{7AD950DB-ED39-4166-8641-C8EA568FD0D2}"/>
-              </a:ext>
-            </a:extLst>
-          </p:cNvPr>
-          <p:cNvSpPr txBox="1"/>
-          <p:nvPr/>
-        </p:nvSpPr>
-        <p:spPr>
-          <a:xfrm>
-            <a:off x="4735319" y="5839260"/>
-            <a:ext cx="1816651" cy="461665"/>
-          </a:xfrm>
-          <a:prstGeom prst="rect">
-            <a:avLst/>
-          </a:prstGeom>
-          <a:noFill/>
-        </p:spPr>
-        <p:txBody>
-          <a:bodyPr wrap="none" rtlCol="0">
-            <a:spAutoFit/>
-          </a:bodyPr>
-          <a:lstStyle/>
-          <a:p>
-            <a:r>
-              <a:rPr lang="en-US" sz="2400" dirty="0"/>
-              <a:t>Player = (</a:t>
-            </a:r>
-            <a:r>
-              <a:rPr lang="en-US" sz="2400" dirty="0" err="1"/>
-              <a:t>a,b</a:t>
-            </a:r>
-            <a:r>
-              <a:rPr lang="en-US" sz="2400" dirty="0"/>
-              <a:t>)</a:t>
-            </a:r>
-          </a:p>
-        </p:txBody>
-      </p:sp>
     </p:spTree>
     <p:extLst>
       <p:ext uri="{BB962C8B-B14F-4D97-AF65-F5344CB8AC3E}">
-        <p14:creationId xmlns:p14="http://schemas.microsoft.com/office/powerpoint/2010/main" val="3072538336"/>
+        <p14:creationId xmlns:p14="http://schemas.microsoft.com/office/powerpoint/2010/main" val="2816954229"/>
       </p:ext>
     </p:extLst>
   </p:cSld>
@@ -9187,8 +11053,8 @@
         </p:nvSpPr>
         <p:spPr>
           <a:xfrm>
-            <a:off x="2898358" y="5161456"/>
-            <a:ext cx="4541129" cy="830997"/>
+            <a:off x="2392331" y="5293298"/>
+            <a:ext cx="5904052" cy="461665"/>
           </a:xfrm>
           <a:prstGeom prst="rect">
             <a:avLst/>
@@ -9196,20 +11062,14 @@
           <a:noFill/>
         </p:spPr>
         <p:txBody>
-          <a:bodyPr wrap="square" rtlCol="0">
+          <a:bodyPr wrap="none" rtlCol="0">
             <a:spAutoFit/>
           </a:bodyPr>
           <a:lstStyle/>
           <a:p>
             <a:r>
               <a:rPr lang="en-US" sz="2400" dirty="0"/>
-              <a:t>A = (x / 2) – 25 || A = (600 / 2) – 25</a:t>
-            </a:r>
-          </a:p>
-          <a:p>
-            <a:r>
-              <a:rPr lang="en-US" sz="2400" dirty="0"/>
-              <a:t>B = (y / 2) – 25 || B = (800 / 2) – 25</a:t>
+              <a:t>What vector is needed to get it in the middle?</a:t>
             </a:r>
           </a:p>
         </p:txBody>
@@ -9352,8 +11212,8 @@
         </p:nvSpPr>
         <p:spPr>
           <a:xfrm>
-            <a:off x="4478669" y="5992453"/>
-            <a:ext cx="1380506" cy="461665"/>
+            <a:off x="4735319" y="5839260"/>
+            <a:ext cx="1816651" cy="461665"/>
           </a:xfrm>
           <a:prstGeom prst="rect">
             <a:avLst/>
@@ -9368,7 +11228,15 @@
           <a:p>
             <a:r>
               <a:rPr lang="en-US" sz="2400" dirty="0"/>
-              <a:t>(275,375)</a:t>
+              <a:t>Player = (</a:t>
+            </a:r>
+            <a:r>
+              <a:rPr lang="en-US" sz="2400" dirty="0" err="1"/>
+              <a:t>a,b</a:t>
+            </a:r>
+            <a:r>
+              <a:rPr lang="en-US" sz="2400" dirty="0"/>
+              <a:t>)</a:t>
             </a:r>
           </a:p>
         </p:txBody>
@@ -9376,7 +11244,7 @@
     </p:spTree>
     <p:extLst>
       <p:ext uri="{BB962C8B-B14F-4D97-AF65-F5344CB8AC3E}">
-        <p14:creationId xmlns:p14="http://schemas.microsoft.com/office/powerpoint/2010/main" val="2533349373"/>
+        <p14:creationId xmlns:p14="http://schemas.microsoft.com/office/powerpoint/2010/main" val="3072538336"/>
       </p:ext>
     </p:extLst>
   </p:cSld>
@@ -9454,6 +11322,47 @@
       </p:sp>
       <p:sp>
         <p:nvSpPr>
+          <p:cNvPr id="5" name="Tekstvak 4">
+            <a:extLst>
+              <a:ext uri="{FF2B5EF4-FFF2-40B4-BE49-F238E27FC236}">
+                <a16:creationId xmlns:a16="http://schemas.microsoft.com/office/drawing/2014/main" id="{ED7DCF49-B594-4A8E-A4C3-C675F6E4C535}"/>
+              </a:ext>
+            </a:extLst>
+          </p:cNvPr>
+          <p:cNvSpPr txBox="1"/>
+          <p:nvPr/>
+        </p:nvSpPr>
+        <p:spPr>
+          <a:xfrm>
+            <a:off x="2898358" y="5161456"/>
+            <a:ext cx="4541129" cy="830997"/>
+          </a:xfrm>
+          <a:prstGeom prst="rect">
+            <a:avLst/>
+          </a:prstGeom>
+          <a:noFill/>
+        </p:spPr>
+        <p:txBody>
+          <a:bodyPr wrap="square" rtlCol="0">
+            <a:spAutoFit/>
+          </a:bodyPr>
+          <a:lstStyle/>
+          <a:p>
+            <a:r>
+              <a:rPr lang="en-US" sz="2400" dirty="0"/>
+              <a:t>A = (x / 2) – 25 || A = (600 / 2) – 25</a:t>
+            </a:r>
+          </a:p>
+          <a:p>
+            <a:r>
+              <a:rPr lang="en-US" sz="2400" dirty="0"/>
+              <a:t>B = (y / 2) – 25 || B = (800 / 2) – 25</a:t>
+            </a:r>
+          </a:p>
+        </p:txBody>
+      </p:sp>
+      <p:sp>
+        <p:nvSpPr>
           <p:cNvPr id="6" name="Tekstvak 5">
             <a:extLst>
               <a:ext uri="{FF2B5EF4-FFF2-40B4-BE49-F238E27FC236}">
@@ -9590,8 +11499,8 @@
         </p:nvSpPr>
         <p:spPr>
           <a:xfrm>
-            <a:off x="9408823" y="834527"/>
-            <a:ext cx="2440220" cy="461665"/>
+            <a:off x="4478669" y="5992453"/>
+            <a:ext cx="1380506" cy="461665"/>
           </a:xfrm>
           <a:prstGeom prst="rect">
             <a:avLst/>
@@ -9606,102 +11515,15 @@
           <a:p>
             <a:r>
               <a:rPr lang="en-US" sz="2400" dirty="0"/>
-              <a:t>Player = (275,375)</a:t>
-            </a:r>
-          </a:p>
-        </p:txBody>
-      </p:sp>
-      <p:sp>
-        <p:nvSpPr>
-          <p:cNvPr id="8" name="Tekstvak 7">
-            <a:extLst>
-              <a:ext uri="{FF2B5EF4-FFF2-40B4-BE49-F238E27FC236}">
-                <a16:creationId xmlns:a16="http://schemas.microsoft.com/office/drawing/2014/main" id="{7A25126D-4ED5-4C54-82B6-3DC1F78465A1}"/>
-              </a:ext>
-            </a:extLst>
-          </p:cNvPr>
-          <p:cNvSpPr txBox="1"/>
-          <p:nvPr/>
-        </p:nvSpPr>
-        <p:spPr>
-          <a:xfrm>
-            <a:off x="1969651" y="5231155"/>
-            <a:ext cx="6749412" cy="830997"/>
-          </a:xfrm>
-          <a:prstGeom prst="rect">
-            <a:avLst/>
-          </a:prstGeom>
-          <a:noFill/>
-        </p:spPr>
-        <p:txBody>
-          <a:bodyPr wrap="none" rtlCol="0">
-            <a:spAutoFit/>
-          </a:bodyPr>
-          <a:lstStyle/>
-          <a:p>
-            <a:r>
-              <a:rPr lang="en-US" sz="2400" dirty="0"/>
-              <a:t>No we want to move. If we press ‘D’ or ‘right arrow’, </a:t>
-            </a:r>
-          </a:p>
-          <a:p>
-            <a:r>
-              <a:rPr lang="en-US" sz="2400" dirty="0"/>
-              <a:t>what should happen with Player?</a:t>
-            </a:r>
-          </a:p>
-        </p:txBody>
-      </p:sp>
-      <p:sp>
-        <p:nvSpPr>
-          <p:cNvPr id="11" name="Pijl: rechts 10">
-            <a:extLst>
-              <a:ext uri="{FF2B5EF4-FFF2-40B4-BE49-F238E27FC236}">
-                <a16:creationId xmlns:a16="http://schemas.microsoft.com/office/drawing/2014/main" id="{2A68AC80-32A6-472C-99D1-FFC8049DA5D5}"/>
-              </a:ext>
-            </a:extLst>
-          </p:cNvPr>
-          <p:cNvSpPr/>
-          <p:nvPr/>
-        </p:nvSpPr>
-        <p:spPr>
-          <a:xfrm>
-            <a:off x="4918228" y="2223402"/>
-            <a:ext cx="1177772" cy="226835"/>
-          </a:xfrm>
-          <a:prstGeom prst="rightArrow">
-            <a:avLst/>
-          </a:prstGeom>
-        </p:spPr>
-        <p:style>
-          <a:lnRef idx="2">
-            <a:schemeClr val="accent1">
-              <a:shade val="50000"/>
-            </a:schemeClr>
-          </a:lnRef>
-          <a:fillRef idx="1">
-            <a:schemeClr val="accent1"/>
-          </a:fillRef>
-          <a:effectRef idx="0">
-            <a:schemeClr val="accent1"/>
-          </a:effectRef>
-          <a:fontRef idx="minor">
-            <a:schemeClr val="lt1"/>
-          </a:fontRef>
-        </p:style>
-        <p:txBody>
-          <a:bodyPr rtlCol="0" anchor="ctr"/>
-          <a:lstStyle/>
-          <a:p>
-            <a:pPr algn="ctr"/>
-            <a:endParaRPr lang="en-US"/>
+              <a:t>(275,375)</a:t>
+            </a:r>
           </a:p>
         </p:txBody>
       </p:sp>
     </p:spTree>
     <p:extLst>
       <p:ext uri="{BB962C8B-B14F-4D97-AF65-F5344CB8AC3E}">
-        <p14:creationId xmlns:p14="http://schemas.microsoft.com/office/powerpoint/2010/main" val="3554408814"/>
+        <p14:creationId xmlns:p14="http://schemas.microsoft.com/office/powerpoint/2010/main" val="2533349373"/>
       </p:ext>
     </p:extLst>
   </p:cSld>

--- a/Lessons/Jaar 1/Lesson 0 - Game/Building a game.pptx
+++ b/Lessons/Jaar 1/Lesson 0 - Game/Building a game.pptx
@@ -4246,7 +4246,7 @@
         <p:spPr>
           <a:xfrm>
             <a:off x="1969651" y="5231155"/>
-            <a:ext cx="5998758" cy="830997"/>
+            <a:ext cx="6217151" cy="830997"/>
           </a:xfrm>
           <a:prstGeom prst="rect">
             <a:avLst/>
@@ -4261,7 +4261,7 @@
           <a:p>
             <a:r>
               <a:rPr lang="en-US" sz="2400" dirty="0"/>
-              <a:t>No we want to move. If we press ‘right arrow’, </a:t>
+              <a:t>Now we want to move. If we press ‘right arrow’, </a:t>
             </a:r>
           </a:p>
           <a:p>
@@ -4571,7 +4571,7 @@
         <p:spPr>
           <a:xfrm>
             <a:off x="1969651" y="5231155"/>
-            <a:ext cx="5998758" cy="1200329"/>
+            <a:ext cx="6217151" cy="1200329"/>
           </a:xfrm>
           <a:prstGeom prst="rect">
             <a:avLst/>
@@ -4586,7 +4586,7 @@
           <a:p>
             <a:r>
               <a:rPr lang="en-US" sz="2400" dirty="0"/>
-              <a:t>No we want to move. If we press ‘right arrow’, </a:t>
+              <a:t>Now we want to move. If we press ‘right arrow’, </a:t>
             </a:r>
           </a:p>
           <a:p>
@@ -10106,7 +10106,7 @@
           <a:p>
             <a:r>
               <a:rPr lang="en-US" sz="2800" dirty="0"/>
-              <a:t>We have a grid of 800x600</a:t>
+              <a:t>We have a grid of 600x800</a:t>
             </a:r>
           </a:p>
         </p:txBody>
